--- a/Project2T6.pptx
+++ b/Project2T6.pptx
@@ -5,17 +5,21 @@
     <p:sldMasterId id="2147483681" r:id="rId1"/>
     <p:sldMasterId id="2147483648" r:id="rId2"/>
   </p:sldMasterIdLst>
+  <p:notesMasterIdLst>
+    <p:notesMasterId r:id="rId14"/>
+  </p:notesMasterIdLst>
   <p:sldIdLst>
     <p:sldId id="257" r:id="rId3"/>
-    <p:sldId id="256" r:id="rId4"/>
-    <p:sldId id="258" r:id="rId5"/>
-    <p:sldId id="259" r:id="rId6"/>
-    <p:sldId id="260" r:id="rId7"/>
-    <p:sldId id="261" r:id="rId8"/>
-    <p:sldId id="262" r:id="rId9"/>
-    <p:sldId id="263" r:id="rId10"/>
-    <p:sldId id="264" r:id="rId11"/>
-    <p:sldId id="265" r:id="rId12"/>
+    <p:sldId id="266" r:id="rId4"/>
+    <p:sldId id="267" r:id="rId5"/>
+    <p:sldId id="264" r:id="rId6"/>
+    <p:sldId id="258" r:id="rId7"/>
+    <p:sldId id="259" r:id="rId8"/>
+    <p:sldId id="260" r:id="rId9"/>
+    <p:sldId id="261" r:id="rId10"/>
+    <p:sldId id="262" r:id="rId11"/>
+    <p:sldId id="263" r:id="rId12"/>
+    <p:sldId id="265" r:id="rId13"/>
   </p:sldIdLst>
   <p:sldSz cx="12192000" cy="6858000"/>
   <p:notesSz cx="6858000" cy="9144000"/>
@@ -3149,6 +3153,355 @@
 </c:userShapes>
 </file>
 
+<file path=ppt/notesMasters/notesMaster1.xml><?xml version="1.0" encoding="utf-8"?>
+<p:notesMaster xmlns:a="http://schemas.openxmlformats.org/drawingml/2006/main" xmlns:r="http://schemas.openxmlformats.org/officeDocument/2006/relationships" xmlns:p="http://schemas.openxmlformats.org/presentationml/2006/main">
+  <p:cSld>
+    <p:bg>
+      <p:bgRef idx="1001">
+        <a:schemeClr val="bg1"/>
+      </p:bgRef>
+    </p:bg>
+    <p:spTree>
+      <p:nvGrpSpPr>
+        <p:cNvPr id="1" name=""/>
+        <p:cNvGrpSpPr/>
+        <p:nvPr/>
+      </p:nvGrpSpPr>
+      <p:grpSpPr>
+        <a:xfrm>
+          <a:off x="0" y="0"/>
+          <a:ext cx="0" cy="0"/>
+          <a:chOff x="0" y="0"/>
+          <a:chExt cx="0" cy="0"/>
+        </a:xfrm>
+      </p:grpSpPr>
+      <p:sp>
+        <p:nvSpPr>
+          <p:cNvPr id="2" name="Header Placeholder 1"/>
+          <p:cNvSpPr>
+            <a:spLocks noGrp="1"/>
+          </p:cNvSpPr>
+          <p:nvPr>
+            <p:ph type="hdr" sz="quarter"/>
+          </p:nvPr>
+        </p:nvSpPr>
+        <p:spPr>
+          <a:xfrm>
+            <a:off x="0" y="0"/>
+            <a:ext cx="2971800" cy="458788"/>
+          </a:xfrm>
+          <a:prstGeom prst="rect">
+            <a:avLst/>
+          </a:prstGeom>
+        </p:spPr>
+        <p:txBody>
+          <a:bodyPr vert="horz" lIns="91440" tIns="45720" rIns="91440" bIns="45720" rtlCol="0"/>
+          <a:lstStyle>
+            <a:lvl1pPr algn="l">
+              <a:defRPr sz="1200"/>
+            </a:lvl1pPr>
+          </a:lstStyle>
+          <a:p>
+            <a:endParaRPr lang="en-US"/>
+          </a:p>
+        </p:txBody>
+      </p:sp>
+      <p:sp>
+        <p:nvSpPr>
+          <p:cNvPr id="3" name="Date Placeholder 2"/>
+          <p:cNvSpPr>
+            <a:spLocks noGrp="1"/>
+          </p:cNvSpPr>
+          <p:nvPr>
+            <p:ph type="dt" idx="1"/>
+          </p:nvPr>
+        </p:nvSpPr>
+        <p:spPr>
+          <a:xfrm>
+            <a:off x="3884613" y="0"/>
+            <a:ext cx="2971800" cy="458788"/>
+          </a:xfrm>
+          <a:prstGeom prst="rect">
+            <a:avLst/>
+          </a:prstGeom>
+        </p:spPr>
+        <p:txBody>
+          <a:bodyPr vert="horz" lIns="91440" tIns="45720" rIns="91440" bIns="45720" rtlCol="0"/>
+          <a:lstStyle>
+            <a:lvl1pPr algn="r">
+              <a:defRPr sz="1200"/>
+            </a:lvl1pPr>
+          </a:lstStyle>
+          <a:p>
+            <a:fld id="{58C279A2-731F-4648-910B-631D28503218}" type="datetimeFigureOut">
+              <a:rPr lang="en-US" smtClean="0"/>
+              <a:t>2/16/2022</a:t>
+            </a:fld>
+            <a:endParaRPr lang="en-US"/>
+          </a:p>
+        </p:txBody>
+      </p:sp>
+      <p:sp>
+        <p:nvSpPr>
+          <p:cNvPr id="4" name="Slide Image Placeholder 3"/>
+          <p:cNvSpPr>
+            <a:spLocks noGrp="1" noRot="1" noChangeAspect="1"/>
+          </p:cNvSpPr>
+          <p:nvPr>
+            <p:ph type="sldImg" idx="2"/>
+          </p:nvPr>
+        </p:nvSpPr>
+        <p:spPr>
+          <a:xfrm>
+            <a:off x="685800" y="1143000"/>
+            <a:ext cx="5486400" cy="3086100"/>
+          </a:xfrm>
+          <a:prstGeom prst="rect">
+            <a:avLst/>
+          </a:prstGeom>
+          <a:noFill/>
+          <a:ln w="12700">
+            <a:solidFill>
+              <a:prstClr val="black"/>
+            </a:solidFill>
+          </a:ln>
+        </p:spPr>
+        <p:txBody>
+          <a:bodyPr vert="horz" lIns="91440" tIns="45720" rIns="91440" bIns="45720" rtlCol="0" anchor="ctr"/>
+          <a:lstStyle/>
+          <a:p>
+            <a:endParaRPr lang="en-US"/>
+          </a:p>
+        </p:txBody>
+      </p:sp>
+      <p:sp>
+        <p:nvSpPr>
+          <p:cNvPr id="5" name="Notes Placeholder 4"/>
+          <p:cNvSpPr>
+            <a:spLocks noGrp="1"/>
+          </p:cNvSpPr>
+          <p:nvPr>
+            <p:ph type="body" sz="quarter" idx="3"/>
+          </p:nvPr>
+        </p:nvSpPr>
+        <p:spPr>
+          <a:xfrm>
+            <a:off x="685800" y="4400550"/>
+            <a:ext cx="5486400" cy="3600450"/>
+          </a:xfrm>
+          <a:prstGeom prst="rect">
+            <a:avLst/>
+          </a:prstGeom>
+        </p:spPr>
+        <p:txBody>
+          <a:bodyPr vert="horz" lIns="91440" tIns="45720" rIns="91440" bIns="45720" rtlCol="0"/>
+          <a:lstStyle/>
+          <a:p>
+            <a:pPr lvl="0"/>
+            <a:r>
+              <a:rPr lang="en-US"/>
+              <a:t>Click to edit Master text styles</a:t>
+            </a:r>
+          </a:p>
+          <a:p>
+            <a:pPr lvl="1"/>
+            <a:r>
+              <a:rPr lang="en-US"/>
+              <a:t>Second level</a:t>
+            </a:r>
+          </a:p>
+          <a:p>
+            <a:pPr lvl="2"/>
+            <a:r>
+              <a:rPr lang="en-US"/>
+              <a:t>Third level</a:t>
+            </a:r>
+          </a:p>
+          <a:p>
+            <a:pPr lvl="3"/>
+            <a:r>
+              <a:rPr lang="en-US"/>
+              <a:t>Fourth level</a:t>
+            </a:r>
+          </a:p>
+          <a:p>
+            <a:pPr lvl="4"/>
+            <a:r>
+              <a:rPr lang="en-US"/>
+              <a:t>Fifth level</a:t>
+            </a:r>
+          </a:p>
+        </p:txBody>
+      </p:sp>
+      <p:sp>
+        <p:nvSpPr>
+          <p:cNvPr id="6" name="Footer Placeholder 5"/>
+          <p:cNvSpPr>
+            <a:spLocks noGrp="1"/>
+          </p:cNvSpPr>
+          <p:nvPr>
+            <p:ph type="ftr" sz="quarter" idx="4"/>
+          </p:nvPr>
+        </p:nvSpPr>
+        <p:spPr>
+          <a:xfrm>
+            <a:off x="0" y="8685213"/>
+            <a:ext cx="2971800" cy="458787"/>
+          </a:xfrm>
+          <a:prstGeom prst="rect">
+            <a:avLst/>
+          </a:prstGeom>
+        </p:spPr>
+        <p:txBody>
+          <a:bodyPr vert="horz" lIns="91440" tIns="45720" rIns="91440" bIns="45720" rtlCol="0" anchor="b"/>
+          <a:lstStyle>
+            <a:lvl1pPr algn="l">
+              <a:defRPr sz="1200"/>
+            </a:lvl1pPr>
+          </a:lstStyle>
+          <a:p>
+            <a:endParaRPr lang="en-US"/>
+          </a:p>
+        </p:txBody>
+      </p:sp>
+      <p:sp>
+        <p:nvSpPr>
+          <p:cNvPr id="7" name="Slide Number Placeholder 6"/>
+          <p:cNvSpPr>
+            <a:spLocks noGrp="1"/>
+          </p:cNvSpPr>
+          <p:nvPr>
+            <p:ph type="sldNum" sz="quarter" idx="5"/>
+          </p:nvPr>
+        </p:nvSpPr>
+        <p:spPr>
+          <a:xfrm>
+            <a:off x="3884613" y="8685213"/>
+            <a:ext cx="2971800" cy="458787"/>
+          </a:xfrm>
+          <a:prstGeom prst="rect">
+            <a:avLst/>
+          </a:prstGeom>
+        </p:spPr>
+        <p:txBody>
+          <a:bodyPr vert="horz" lIns="91440" tIns="45720" rIns="91440" bIns="45720" rtlCol="0" anchor="b"/>
+          <a:lstStyle>
+            <a:lvl1pPr algn="r">
+              <a:defRPr sz="1200"/>
+            </a:lvl1pPr>
+          </a:lstStyle>
+          <a:p>
+            <a:fld id="{8BDD9523-4EBF-4413-AB23-A7B045A886E8}" type="slidenum">
+              <a:rPr lang="en-US" smtClean="0"/>
+              <a:t>‹#›</a:t>
+            </a:fld>
+            <a:endParaRPr lang="en-US"/>
+          </a:p>
+        </p:txBody>
+      </p:sp>
+    </p:spTree>
+    <p:extLst>
+      <p:ext uri="{BB962C8B-B14F-4D97-AF65-F5344CB8AC3E}">
+        <p14:creationId xmlns:p14="http://schemas.microsoft.com/office/powerpoint/2010/main" val="3615501256"/>
+      </p:ext>
+    </p:extLst>
+  </p:cSld>
+  <p:clrMap bg1="lt1" tx1="dk1" bg2="lt2" tx2="dk2" accent1="accent1" accent2="accent2" accent3="accent3" accent4="accent4" accent5="accent5" accent6="accent6" hlink="hlink" folHlink="folHlink"/>
+  <p:notesStyle>
+    <a:lvl1pPr marL="0" algn="l" defTabSz="914400" rtl="0" eaLnBrk="1" latinLnBrk="0" hangingPunct="1">
+      <a:defRPr sz="1200" kern="1200">
+        <a:solidFill>
+          <a:schemeClr val="tx1"/>
+        </a:solidFill>
+        <a:latin typeface="+mn-lt"/>
+        <a:ea typeface="+mn-ea"/>
+        <a:cs typeface="+mn-cs"/>
+      </a:defRPr>
+    </a:lvl1pPr>
+    <a:lvl2pPr marL="457200" algn="l" defTabSz="914400" rtl="0" eaLnBrk="1" latinLnBrk="0" hangingPunct="1">
+      <a:defRPr sz="1200" kern="1200">
+        <a:solidFill>
+          <a:schemeClr val="tx1"/>
+        </a:solidFill>
+        <a:latin typeface="+mn-lt"/>
+        <a:ea typeface="+mn-ea"/>
+        <a:cs typeface="+mn-cs"/>
+      </a:defRPr>
+    </a:lvl2pPr>
+    <a:lvl3pPr marL="914400" algn="l" defTabSz="914400" rtl="0" eaLnBrk="1" latinLnBrk="0" hangingPunct="1">
+      <a:defRPr sz="1200" kern="1200">
+        <a:solidFill>
+          <a:schemeClr val="tx1"/>
+        </a:solidFill>
+        <a:latin typeface="+mn-lt"/>
+        <a:ea typeface="+mn-ea"/>
+        <a:cs typeface="+mn-cs"/>
+      </a:defRPr>
+    </a:lvl3pPr>
+    <a:lvl4pPr marL="1371600" algn="l" defTabSz="914400" rtl="0" eaLnBrk="1" latinLnBrk="0" hangingPunct="1">
+      <a:defRPr sz="1200" kern="1200">
+        <a:solidFill>
+          <a:schemeClr val="tx1"/>
+        </a:solidFill>
+        <a:latin typeface="+mn-lt"/>
+        <a:ea typeface="+mn-ea"/>
+        <a:cs typeface="+mn-cs"/>
+      </a:defRPr>
+    </a:lvl4pPr>
+    <a:lvl5pPr marL="1828800" algn="l" defTabSz="914400" rtl="0" eaLnBrk="1" latinLnBrk="0" hangingPunct="1">
+      <a:defRPr sz="1200" kern="1200">
+        <a:solidFill>
+          <a:schemeClr val="tx1"/>
+        </a:solidFill>
+        <a:latin typeface="+mn-lt"/>
+        <a:ea typeface="+mn-ea"/>
+        <a:cs typeface="+mn-cs"/>
+      </a:defRPr>
+    </a:lvl5pPr>
+    <a:lvl6pPr marL="2286000" algn="l" defTabSz="914400" rtl="0" eaLnBrk="1" latinLnBrk="0" hangingPunct="1">
+      <a:defRPr sz="1200" kern="1200">
+        <a:solidFill>
+          <a:schemeClr val="tx1"/>
+        </a:solidFill>
+        <a:latin typeface="+mn-lt"/>
+        <a:ea typeface="+mn-ea"/>
+        <a:cs typeface="+mn-cs"/>
+      </a:defRPr>
+    </a:lvl6pPr>
+    <a:lvl7pPr marL="2743200" algn="l" defTabSz="914400" rtl="0" eaLnBrk="1" latinLnBrk="0" hangingPunct="1">
+      <a:defRPr sz="1200" kern="1200">
+        <a:solidFill>
+          <a:schemeClr val="tx1"/>
+        </a:solidFill>
+        <a:latin typeface="+mn-lt"/>
+        <a:ea typeface="+mn-ea"/>
+        <a:cs typeface="+mn-cs"/>
+      </a:defRPr>
+    </a:lvl7pPr>
+    <a:lvl8pPr marL="3200400" algn="l" defTabSz="914400" rtl="0" eaLnBrk="1" latinLnBrk="0" hangingPunct="1">
+      <a:defRPr sz="1200" kern="1200">
+        <a:solidFill>
+          <a:schemeClr val="tx1"/>
+        </a:solidFill>
+        <a:latin typeface="+mn-lt"/>
+        <a:ea typeface="+mn-ea"/>
+        <a:cs typeface="+mn-cs"/>
+      </a:defRPr>
+    </a:lvl8pPr>
+    <a:lvl9pPr marL="3657600" algn="l" defTabSz="914400" rtl="0" eaLnBrk="1" latinLnBrk="0" hangingPunct="1">
+      <a:defRPr sz="1200" kern="1200">
+        <a:solidFill>
+          <a:schemeClr val="tx1"/>
+        </a:solidFill>
+        <a:latin typeface="+mn-lt"/>
+        <a:ea typeface="+mn-ea"/>
+        <a:cs typeface="+mn-cs"/>
+      </a:defRPr>
+    </a:lvl9pPr>
+  </p:notesStyle>
+</p:notesMaster>
+</file>
+
 <file path=ppt/slideLayouts/slideLayout1.xml><?xml version="1.0" encoding="utf-8"?>
 <p:sldLayout xmlns:a="http://schemas.openxmlformats.org/drawingml/2006/main" xmlns:r="http://schemas.openxmlformats.org/officeDocument/2006/relationships" xmlns:p="http://schemas.openxmlformats.org/presentationml/2006/main" type="title" preserve="1">
   <p:cSld name="Title Slide">
@@ -3692,18 +4045,8 @@
 </file>
 
 <file path=ppt/slideLayouts/slideLayout12.xml><?xml version="1.0" encoding="utf-8"?>
-<p:sldLayout xmlns:a="http://schemas.openxmlformats.org/drawingml/2006/main" xmlns:r="http://schemas.openxmlformats.org/officeDocument/2006/relationships" xmlns:p="http://schemas.openxmlformats.org/presentationml/2006/main" showMasterSp="0" preserve="1" userDrawn="1">
+<p:sldLayout xmlns:a="http://schemas.openxmlformats.org/drawingml/2006/main" xmlns:r="http://schemas.openxmlformats.org/officeDocument/2006/relationships" xmlns:p="http://schemas.openxmlformats.org/presentationml/2006/main" preserve="1" userDrawn="1">
   <p:cSld name="Title Slide with Image">
-    <p:bg>
-      <p:bgPr>
-        <a:solidFill>
-          <a:schemeClr val="bg1">
-            <a:lumMod val="95000"/>
-          </a:schemeClr>
-        </a:solidFill>
-        <a:effectLst/>
-      </p:bgPr>
-    </p:bg>
     <p:spTree>
       <p:nvGrpSpPr>
         <p:cNvPr id="1" name=""/>
@@ -4902,16 +5245,6 @@
 <file path=ppt/slideLayouts/slideLayout15.xml><?xml version="1.0" encoding="utf-8"?>
 <p:sldLayout xmlns:a="http://schemas.openxmlformats.org/drawingml/2006/main" xmlns:r="http://schemas.openxmlformats.org/officeDocument/2006/relationships" xmlns:p="http://schemas.openxmlformats.org/presentationml/2006/main" preserve="1" userDrawn="1">
   <p:cSld name="Divider Slide 1">
-    <p:bg>
-      <p:bgPr>
-        <a:solidFill>
-          <a:schemeClr val="bg1">
-            <a:lumMod val="95000"/>
-          </a:schemeClr>
-        </a:solidFill>
-        <a:effectLst/>
-      </p:bgPr>
-    </p:bg>
     <p:spTree>
       <p:nvGrpSpPr>
         <p:cNvPr id="1" name=""/>
@@ -5972,17 +6305,6 @@
 <file path=ppt/slideLayouts/slideLayout17.xml><?xml version="1.0" encoding="utf-8"?>
 <p:sldLayout xmlns:a="http://schemas.openxmlformats.org/drawingml/2006/main" xmlns:r="http://schemas.openxmlformats.org/officeDocument/2006/relationships" xmlns:p="http://schemas.openxmlformats.org/presentationml/2006/main" preserve="1" userDrawn="1">
   <p:cSld name="Divier Slide 2">
-    <p:bg>
-      <p:bgPr>
-        <a:solidFill>
-          <a:schemeClr val="tx1">
-            <a:lumMod val="75000"/>
-            <a:lumOff val="25000"/>
-          </a:schemeClr>
-        </a:solidFill>
-        <a:effectLst/>
-      </p:bgPr>
-    </p:bg>
     <p:spTree>
       <p:nvGrpSpPr>
         <p:cNvPr id="1" name=""/>
@@ -7492,16 +7814,6 @@
 <file path=ppt/slideLayouts/slideLayout21.xml><?xml version="1.0" encoding="utf-8"?>
 <p:sldLayout xmlns:a="http://schemas.openxmlformats.org/drawingml/2006/main" xmlns:r="http://schemas.openxmlformats.org/officeDocument/2006/relationships" xmlns:p="http://schemas.openxmlformats.org/presentationml/2006/main" preserve="1" userDrawn="1">
   <p:cSld name="Thank You">
-    <p:bg>
-      <p:bgPr>
-        <a:solidFill>
-          <a:schemeClr val="bg1">
-            <a:lumMod val="95000"/>
-          </a:schemeClr>
-        </a:solidFill>
-        <a:effectLst/>
-      </p:bgPr>
-    </p:bg>
     <p:spTree>
       <p:nvGrpSpPr>
         <p:cNvPr id="1" name=""/>
@@ -9740,18 +10052,8 @@
 </file>
 
 <file path=ppt/slideLayouts/slideLayout26.xml><?xml version="1.0" encoding="utf-8"?>
-<p:sldLayout xmlns:a="http://schemas.openxmlformats.org/drawingml/2006/main" xmlns:r="http://schemas.openxmlformats.org/officeDocument/2006/relationships" xmlns:p="http://schemas.openxmlformats.org/presentationml/2006/main" showMasterSp="0" preserve="1" userDrawn="1">
+<p:sldLayout xmlns:a="http://schemas.openxmlformats.org/drawingml/2006/main" xmlns:r="http://schemas.openxmlformats.org/officeDocument/2006/relationships" xmlns:p="http://schemas.openxmlformats.org/presentationml/2006/main" preserve="1" userDrawn="1">
   <p:cSld name="Title Slide">
-    <p:bg>
-      <p:bgPr>
-        <a:solidFill>
-          <a:schemeClr val="bg1">
-            <a:lumMod val="95000"/>
-          </a:schemeClr>
-        </a:solidFill>
-        <a:effectLst/>
-      </p:bgPr>
-    </p:bg>
     <p:spTree>
       <p:nvGrpSpPr>
         <p:cNvPr id="1" name=""/>
@@ -10082,17 +10384,6 @@
 <file path=ppt/slideLayouts/slideLayout27.xml><?xml version="1.0" encoding="utf-8"?>
 <p:sldLayout xmlns:a="http://schemas.openxmlformats.org/drawingml/2006/main" xmlns:r="http://schemas.openxmlformats.org/officeDocument/2006/relationships" xmlns:p="http://schemas.openxmlformats.org/presentationml/2006/main" preserve="1" userDrawn="1">
   <p:cSld name="Section Header">
-    <p:bg>
-      <p:bgPr>
-        <a:solidFill>
-          <a:schemeClr val="tx1">
-            <a:lumMod val="75000"/>
-            <a:lumOff val="25000"/>
-          </a:schemeClr>
-        </a:solidFill>
-        <a:effectLst/>
-      </p:bgPr>
-    </p:bg>
     <p:spTree>
       <p:nvGrpSpPr>
         <p:cNvPr id="1" name=""/>
@@ -14391,9 +14682,21 @@
 <p:sldMaster xmlns:a="http://schemas.openxmlformats.org/drawingml/2006/main" xmlns:r="http://schemas.openxmlformats.org/officeDocument/2006/relationships" xmlns:p="http://schemas.openxmlformats.org/presentationml/2006/main">
   <p:cSld>
     <p:bg>
-      <p:bgRef idx="1001">
-        <a:schemeClr val="bg1"/>
-      </p:bgRef>
+      <p:bgPr>
+        <a:gradFill flip="none" rotWithShape="1">
+          <a:gsLst>
+            <a:gs pos="0">
+              <a:srgbClr val="A6826A"/>
+            </a:gs>
+            <a:gs pos="100000">
+              <a:srgbClr val="838383"/>
+            </a:gs>
+          </a:gsLst>
+          <a:lin ang="16200000" scaled="1"/>
+          <a:tileRect/>
+        </a:gradFill>
+        <a:effectLst/>
+      </p:bgPr>
     </p:bg>
     <p:spTree>
       <p:nvGrpSpPr>
@@ -14931,9 +15234,21 @@
 <p:sldMaster xmlns:a="http://schemas.openxmlformats.org/drawingml/2006/main" xmlns:r="http://schemas.openxmlformats.org/officeDocument/2006/relationships" xmlns:p="http://schemas.openxmlformats.org/presentationml/2006/main">
   <p:cSld>
     <p:bg>
-      <p:bgRef idx="1001">
-        <a:schemeClr val="bg1"/>
-      </p:bgRef>
+      <p:bgPr>
+        <a:gradFill flip="none" rotWithShape="1">
+          <a:gsLst>
+            <a:gs pos="0">
+              <a:srgbClr val="A6826A"/>
+            </a:gs>
+            <a:gs pos="100000">
+              <a:srgbClr val="838383"/>
+            </a:gs>
+          </a:gsLst>
+          <a:lin ang="16200000" scaled="1"/>
+          <a:tileRect/>
+        </a:gradFill>
+        <a:effectLst/>
+      </p:bgPr>
     </p:bg>
     <p:spTree>
       <p:nvGrpSpPr>
@@ -15886,9 +16201,13 @@
         </p:blipFill>
         <p:spPr>
           <a:xfrm>
-            <a:off x="-1082" y="25977"/>
-            <a:ext cx="12267910" cy="6804025"/>
+            <a:off x="0" y="0"/>
+            <a:ext cx="12365229" cy="6858000"/>
           </a:xfrm>
+          <a:blipFill>
+            <a:blip r:embed="rId3"/>
+            <a:tile tx="0" ty="0" sx="100000" sy="100000" flip="none" algn="tl"/>
+          </a:blipFill>
         </p:spPr>
       </p:pic>
       <p:sp>
@@ -15909,7 +16228,7 @@
         </p:nvSpPr>
         <p:spPr>
           <a:xfrm>
-            <a:off x="1572491" y="568349"/>
+            <a:off x="1544783" y="1791348"/>
             <a:ext cx="8991600" cy="1200681"/>
           </a:xfrm>
           <a:solidFill>
@@ -15922,29 +16241,32 @@
           <a:bodyPr/>
           <a:lstStyle/>
           <a:p>
-            <a:pPr algn="l"/>
-            <a:r>
-              <a:rPr lang="en-US"/>
+            <a:pPr algn="ctr"/>
+            <a:r>
+              <a:rPr lang="en-US" dirty="0"/>
               <a:t>Project 2 </a:t>
             </a:r>
             <a:br>
-              <a:rPr lang="en-US"/>
+              <a:rPr lang="en-US" dirty="0"/>
             </a:br>
             <a:br>
-              <a:rPr lang="en-US"/>
+              <a:rPr lang="en-US" sz="3600" dirty="0"/>
             </a:br>
             <a:r>
-              <a:rPr lang="en-US" sz="4000"/>
-              <a:t>                           </a:t>
-            </a:r>
-            <a:r>
-              <a:rPr lang="en-US" sz="4000">
+              <a:rPr lang="en-US" sz="4000" dirty="0">
                 <a:solidFill>
-                  <a:schemeClr val="bg1"/>
+                  <a:srgbClr val="404040"/>
                 </a:solidFill>
               </a:rPr>
-              <a:t>Data processing with Spark</a:t>
-            </a:r>
+              <a:t>                    </a:t>
+            </a:r>
+            <a:endParaRPr lang="en-US" sz="4000" dirty="0">
+              <a:solidFill>
+                <a:srgbClr val="404040"/>
+              </a:solidFill>
+              <a:latin typeface="Verdana" panose="020B0604030504040204" pitchFamily="34" charset="0"/>
+              <a:ea typeface="Verdana" panose="020B0604030504040204" pitchFamily="34" charset="0"/>
+            </a:endParaRPr>
           </a:p>
         </p:txBody>
       </p:sp>
@@ -15966,8 +16288,8 @@
         </p:nvSpPr>
         <p:spPr>
           <a:xfrm>
-            <a:off x="6040582" y="571426"/>
-            <a:ext cx="4519325" cy="442376"/>
+            <a:off x="6497515" y="1348972"/>
+            <a:ext cx="4038868" cy="442376"/>
           </a:xfrm>
           <a:solidFill>
             <a:schemeClr val="bg1">
@@ -15983,14 +16305,18 @@
           <a:p>
             <a:pPr algn="ctr"/>
             <a:r>
-              <a:rPr lang="en-US" sz="1200">
+              <a:rPr lang="en-US" sz="1200" b="1" dirty="0">
                 <a:solidFill>
-                  <a:schemeClr val="tx1"/>
+                  <a:srgbClr val="404040"/>
                 </a:solidFill>
               </a:rPr>
-              <a:t>By Aboubacarr Simaha, Selena Fears &amp; Abdoulaye Diakite</a:t>
-            </a:r>
-            <a:endParaRPr lang="en-US"/>
+              <a:t>By Abubacarr Simaha, Selena Fears &amp; Abdoulaye Diakite</a:t>
+            </a:r>
+            <a:endParaRPr lang="en-US" b="1" dirty="0">
+              <a:solidFill>
+                <a:srgbClr val="404040"/>
+              </a:solidFill>
+            </a:endParaRPr>
           </a:p>
         </p:txBody>
       </p:sp>
@@ -16008,7 +16334,7 @@
         </p:nvSpPr>
         <p:spPr>
           <a:xfrm>
-            <a:off x="10847764" y="6063715"/>
+            <a:off x="10962488" y="6292317"/>
             <a:ext cx="1402741" cy="266149"/>
           </a:xfrm>
           <a:prstGeom prst="rect">
@@ -16028,7 +16354,7 @@
               </a:lnSpc>
             </a:pPr>
             <a:r>
-              <a:rPr lang="en-US" spc="140" dirty="0">
+              <a:rPr lang="en-US" b="1" spc="140" dirty="0">
                 <a:solidFill>
                   <a:schemeClr val="tx1">
                     <a:lumMod val="95000"/>
@@ -16039,7 +16365,7 @@
               </a:rPr>
               <a:t>Team 6</a:t>
             </a:r>
-            <a:endParaRPr lang="en-US" b="0" i="0" spc="140" baseline="0" dirty="0">
+            <a:endParaRPr lang="en-US" b="1" i="0" spc="140" baseline="0" dirty="0">
               <a:solidFill>
                 <a:schemeClr val="tx1">
                   <a:lumMod val="95000"/>
@@ -16048,6 +16374,48 @@
               </a:solidFill>
               <a:latin typeface="+mj-lt"/>
             </a:endParaRPr>
+          </a:p>
+        </p:txBody>
+      </p:sp>
+      <p:sp>
+        <p:nvSpPr>
+          <p:cNvPr id="2" name="TextBox 1">
+            <a:extLst>
+              <a:ext uri="{FF2B5EF4-FFF2-40B4-BE49-F238E27FC236}">
+                <a16:creationId xmlns:a16="http://schemas.microsoft.com/office/drawing/2014/main" id="{BCB85AAE-E780-4695-AABF-39750CFBB390}"/>
+              </a:ext>
+            </a:extLst>
+          </p:cNvPr>
+          <p:cNvSpPr txBox="1"/>
+          <p:nvPr/>
+        </p:nvSpPr>
+        <p:spPr>
+          <a:xfrm>
+            <a:off x="2793735" y="3734480"/>
+            <a:ext cx="6224954" cy="707886"/>
+          </a:xfrm>
+          <a:prstGeom prst="rect">
+            <a:avLst/>
+          </a:prstGeom>
+          <a:solidFill>
+            <a:srgbClr val="BFBFBF"/>
+          </a:solidFill>
+        </p:spPr>
+        <p:txBody>
+          <a:bodyPr wrap="square" rtlCol="0">
+            <a:spAutoFit/>
+          </a:bodyPr>
+          <a:lstStyle/>
+          <a:p>
+            <a:pPr algn="ctr"/>
+            <a:r>
+              <a:rPr lang="en-US" sz="4000" b="1" dirty="0">
+                <a:solidFill>
+                  <a:srgbClr val="404040"/>
+                </a:solidFill>
+              </a:rPr>
+              <a:t>Data Processing With Spark</a:t>
+            </a:r>
           </a:p>
         </p:txBody>
       </p:sp>
@@ -16093,7 +16461,7 @@
         </p:nvSpPr>
         <p:spPr>
           <a:xfrm>
-            <a:off x="-1" y="911595"/>
+            <a:off x="106531" y="1932527"/>
             <a:ext cx="4740748" cy="439477"/>
           </a:xfrm>
         </p:spPr>
@@ -16108,14 +16476,14 @@
               <a:rPr lang="en-US" sz="1600" dirty="0">
                 <a:cs typeface="Calibri"/>
               </a:rPr>
-              <a:t>9</a:t>
+              <a:t>7. </a:t>
             </a:r>
             <a:r>
               <a:rPr lang="en-US" sz="1600" dirty="0">
                 <a:ea typeface="+mn-lt"/>
                 <a:cs typeface="+mn-lt"/>
               </a:rPr>
-              <a:t>. New daily cases:</a:t>
+              <a:t>Vaccination in high-risk areas:</a:t>
             </a:r>
             <a:endParaRPr lang="en-US" sz="1600" dirty="0">
               <a:cs typeface="Calibri"/>
@@ -16130,10 +16498,10 @@
       </p:sp>
       <p:pic>
         <p:nvPicPr>
-          <p:cNvPr id="2" name="Picture 3" descr="Chart&#10;&#10;Description automatically generated">
-            <a:extLst>
-              <a:ext uri="{FF2B5EF4-FFF2-40B4-BE49-F238E27FC236}">
-                <a16:creationId xmlns:a16="http://schemas.microsoft.com/office/drawing/2014/main" id="{F186275D-5DFB-4847-B9A9-4B31D889A46C}"/>
+          <p:cNvPr id="2" name="Picture 3" descr="Chart, waterfall chart&#10;&#10;Description automatically generated">
+            <a:extLst>
+              <a:ext uri="{FF2B5EF4-FFF2-40B4-BE49-F238E27FC236}">
+                <a16:creationId xmlns:a16="http://schemas.microsoft.com/office/drawing/2014/main" id="{3E241ADC-B51E-4A0D-86F0-F27E864BDAD8}"/>
               </a:ext>
             </a:extLst>
           </p:cNvPr>
@@ -16150,7 +16518,131 @@
         </p:blipFill>
         <p:spPr>
           <a:xfrm>
-            <a:off x="152400" y="1820667"/>
+            <a:off x="170986" y="2734931"/>
+            <a:ext cx="11850028" cy="2955571"/>
+          </a:xfrm>
+          <a:prstGeom prst="rect">
+            <a:avLst/>
+          </a:prstGeom>
+        </p:spPr>
+      </p:pic>
+    </p:spTree>
+    <p:extLst>
+      <p:ext uri="{BB962C8B-B14F-4D97-AF65-F5344CB8AC3E}">
+        <p14:creationId xmlns:p14="http://schemas.microsoft.com/office/powerpoint/2010/main" val="1167348216"/>
+      </p:ext>
+    </p:extLst>
+  </p:cSld>
+  <p:clrMapOvr>
+    <a:masterClrMapping/>
+  </p:clrMapOvr>
+</p:sld>
+</file>
+
+<file path=ppt/slides/slide11.xml><?xml version="1.0" encoding="utf-8"?>
+<p:sld xmlns:a="http://schemas.openxmlformats.org/drawingml/2006/main" xmlns:r="http://schemas.openxmlformats.org/officeDocument/2006/relationships" xmlns:p="http://schemas.openxmlformats.org/presentationml/2006/main">
+  <p:cSld>
+    <p:bg>
+      <p:bgPr>
+        <a:gradFill flip="none" rotWithShape="1">
+          <a:gsLst>
+            <a:gs pos="100000">
+              <a:srgbClr val="A6826A"/>
+            </a:gs>
+            <a:gs pos="0">
+              <a:srgbClr val="838383"/>
+            </a:gs>
+          </a:gsLst>
+          <a:lin ang="16200000" scaled="1"/>
+          <a:tileRect/>
+        </a:gradFill>
+        <a:effectLst/>
+      </p:bgPr>
+    </p:bg>
+    <p:spTree>
+      <p:nvGrpSpPr>
+        <p:cNvPr id="1" name=""/>
+        <p:cNvGrpSpPr/>
+        <p:nvPr/>
+      </p:nvGrpSpPr>
+      <p:grpSpPr>
+        <a:xfrm>
+          <a:off x="0" y="0"/>
+          <a:ext cx="0" cy="0"/>
+          <a:chOff x="0" y="0"/>
+          <a:chExt cx="0" cy="0"/>
+        </a:xfrm>
+      </p:grpSpPr>
+      <p:sp>
+        <p:nvSpPr>
+          <p:cNvPr id="3" name="Subtitle 2"/>
+          <p:cNvSpPr>
+            <a:spLocks noGrp="1"/>
+          </p:cNvSpPr>
+          <p:nvPr>
+            <p:ph type="subTitle" idx="1"/>
+          </p:nvPr>
+        </p:nvSpPr>
+        <p:spPr>
+          <a:xfrm>
+            <a:off x="133815" y="1746096"/>
+            <a:ext cx="4740748" cy="439477"/>
+          </a:xfrm>
+        </p:spPr>
+        <p:txBody>
+          <a:bodyPr vert="horz" lIns="91440" tIns="45720" rIns="91440" bIns="45720" rtlCol="0" anchor="t">
+            <a:normAutofit/>
+          </a:bodyPr>
+          <a:lstStyle/>
+          <a:p>
+            <a:pPr algn="l"/>
+            <a:r>
+              <a:rPr lang="en-US" sz="1600" dirty="0">
+                <a:cs typeface="Calibri"/>
+              </a:rPr>
+              <a:t>9</a:t>
+            </a:r>
+            <a:r>
+              <a:rPr lang="en-US" sz="1600" dirty="0">
+                <a:ea typeface="+mn-lt"/>
+                <a:cs typeface="+mn-lt"/>
+              </a:rPr>
+              <a:t>. New daily cases:</a:t>
+            </a:r>
+            <a:endParaRPr lang="en-US" sz="1600" dirty="0">
+              <a:cs typeface="Calibri"/>
+            </a:endParaRPr>
+          </a:p>
+          <a:p>
+            <a:endParaRPr lang="en-US" dirty="0">
+              <a:cs typeface="Calibri"/>
+            </a:endParaRPr>
+          </a:p>
+        </p:txBody>
+      </p:sp>
+      <p:pic>
+        <p:nvPicPr>
+          <p:cNvPr id="2" name="Picture 3" descr="Chart&#10;&#10;Description automatically generated">
+            <a:extLst>
+              <a:ext uri="{FF2B5EF4-FFF2-40B4-BE49-F238E27FC236}">
+                <a16:creationId xmlns:a16="http://schemas.microsoft.com/office/drawing/2014/main" id="{F186275D-5DFB-4847-B9A9-4B31D889A46C}"/>
+              </a:ext>
+            </a:extLst>
+          </p:cNvPr>
+          <p:cNvPicPr>
+            <a:picLocks noChangeAspect="1"/>
+          </p:cNvPicPr>
+          <p:nvPr/>
+        </p:nvPicPr>
+        <p:blipFill>
+          <a:blip r:embed="rId2"/>
+          <a:stretch>
+            <a:fillRect/>
+          </a:stretch>
+        </p:blipFill>
+        <p:spPr>
+          <a:xfrm>
+            <a:off x="133815" y="2610779"/>
             <a:ext cx="11924370" cy="3225958"/>
           </a:xfrm>
           <a:prstGeom prst="rect">
@@ -16190,115 +16682,128 @@
       </p:grpSpPr>
       <p:sp>
         <p:nvSpPr>
-          <p:cNvPr id="2" name="Title 1"/>
-          <p:cNvSpPr>
-            <a:spLocks noGrp="1"/>
-          </p:cNvSpPr>
-          <p:nvPr>
-            <p:ph type="ctrTitle"/>
+          <p:cNvPr id="6" name="Subtitle 5">
+            <a:extLst>
+              <a:ext uri="{FF2B5EF4-FFF2-40B4-BE49-F238E27FC236}">
+                <a16:creationId xmlns:a16="http://schemas.microsoft.com/office/drawing/2014/main" id="{13EAE0F3-DB0D-4A15-A966-75510738033D}"/>
+              </a:ext>
+            </a:extLst>
+          </p:cNvPr>
+          <p:cNvSpPr>
+            <a:spLocks noGrp="1"/>
+          </p:cNvSpPr>
+          <p:nvPr>
+            <p:ph type="subTitle" idx="1"/>
           </p:nvPr>
         </p:nvSpPr>
         <p:spPr>
           <a:xfrm>
-            <a:off x="1616927" y="248851"/>
-            <a:ext cx="9144000" cy="594112"/>
+            <a:off x="1462454" y="1956518"/>
+            <a:ext cx="9144000" cy="4313847"/>
           </a:xfrm>
         </p:spPr>
         <p:txBody>
           <a:bodyPr>
-            <a:normAutofit fontScale="90000"/>
+            <a:normAutofit fontScale="92500" lnSpcReduction="10000"/>
           </a:bodyPr>
           <a:lstStyle/>
           <a:p>
             <a:r>
-              <a:rPr lang="en-US" u="sng" dirty="0">
-                <a:cs typeface="Calibri Light"/>
-              </a:rPr>
-              <a:t>Query Results</a:t>
-            </a:r>
-          </a:p>
-        </p:txBody>
-      </p:sp>
-      <p:sp>
-        <p:nvSpPr>
-          <p:cNvPr id="3" name="Subtitle 2"/>
-          <p:cNvSpPr>
-            <a:spLocks noGrp="1"/>
-          </p:cNvSpPr>
-          <p:nvPr>
-            <p:ph type="subTitle" idx="1"/>
+              <a:rPr lang="en-US" dirty="0"/>
+              <a:t>Project Details</a:t>
+            </a:r>
+          </a:p>
+          <a:p>
+            <a:r>
+              <a:rPr lang="en-US" dirty="0"/>
+              <a:t>This project will analyze Covid 19 data using specific queries</a:t>
+            </a:r>
+          </a:p>
+          <a:p>
+            <a:endParaRPr lang="en-US" dirty="0"/>
+          </a:p>
+          <a:p>
+            <a:r>
+              <a:rPr lang="en-US" sz="4000" dirty="0"/>
+              <a:t>Tech Stack</a:t>
+            </a:r>
+          </a:p>
+          <a:p>
+            <a:r>
+              <a:rPr lang="it-IT" dirty="0"/>
+              <a:t>Spark 3.1.2</a:t>
+            </a:r>
+          </a:p>
+          <a:p>
+            <a:r>
+              <a:rPr lang="it-IT" dirty="0"/>
+              <a:t>Scala 2.11.12</a:t>
+            </a:r>
+          </a:p>
+          <a:p>
+            <a:r>
+              <a:rPr lang="it-IT" dirty="0"/>
+              <a:t>MySQL 8.0.19</a:t>
+            </a:r>
+          </a:p>
+          <a:p>
+            <a:r>
+              <a:rPr lang="it-IT" dirty="0"/>
+              <a:t>SBT 1.5.4</a:t>
+            </a:r>
+          </a:p>
+          <a:p>
+            <a:r>
+              <a:rPr lang="it-IT" dirty="0"/>
+              <a:t>Apache Zeppelin 0.10</a:t>
+            </a:r>
+          </a:p>
+          <a:p>
+            <a:r>
+              <a:rPr lang="it-IT" dirty="0"/>
+              <a:t>VS Code</a:t>
+            </a:r>
+            <a:endParaRPr lang="en-US" dirty="0"/>
+          </a:p>
+        </p:txBody>
+      </p:sp>
+      <p:sp>
+        <p:nvSpPr>
+          <p:cNvPr id="8" name="Title 7">
+            <a:extLst>
+              <a:ext uri="{FF2B5EF4-FFF2-40B4-BE49-F238E27FC236}">
+                <a16:creationId xmlns:a16="http://schemas.microsoft.com/office/drawing/2014/main" id="{7168E97B-8943-4F85-88EB-2676F77E07A1}"/>
+              </a:ext>
+            </a:extLst>
+          </p:cNvPr>
+          <p:cNvSpPr>
+            <a:spLocks noGrp="1"/>
+          </p:cNvSpPr>
+          <p:nvPr>
+            <p:ph type="ctrTitle"/>
           </p:nvPr>
         </p:nvSpPr>
         <p:spPr>
           <a:xfrm>
-            <a:off x="-1" y="1353209"/>
-            <a:ext cx="3744953" cy="326909"/>
+            <a:off x="1644162" y="329605"/>
+            <a:ext cx="8962292" cy="1040544"/>
           </a:xfrm>
         </p:spPr>
         <p:txBody>
-          <a:bodyPr vert="horz" lIns="91440" tIns="45720" rIns="91440" bIns="45720" rtlCol="0" anchor="t">
-            <a:normAutofit fontScale="85000" lnSpcReduction="20000"/>
-          </a:bodyPr>
+          <a:bodyPr/>
           <a:lstStyle/>
           <a:p>
             <a:r>
-              <a:rPr lang="en-US" dirty="0">
-                <a:cs typeface="Calibri"/>
-              </a:rPr>
-              <a:t>1. </a:t>
-            </a:r>
-            <a:r>
-              <a:rPr lang="en-US" dirty="0">
-                <a:ea typeface="+mn-lt"/>
-                <a:cs typeface="+mn-lt"/>
-              </a:rPr>
-              <a:t>Continent, Country Death rate:</a:t>
-            </a:r>
-            <a:endParaRPr lang="en-US" dirty="0">
-              <a:cs typeface="Calibri"/>
-            </a:endParaRPr>
-          </a:p>
-          <a:p>
-            <a:endParaRPr lang="en-US" dirty="0">
-              <a:cs typeface="Calibri"/>
-            </a:endParaRPr>
-          </a:p>
-        </p:txBody>
-      </p:sp>
-      <p:pic>
-        <p:nvPicPr>
-          <p:cNvPr id="4" name="Picture 4" descr="Chart, pie chart&#10;&#10;Description automatically generated">
-            <a:extLst>
-              <a:ext uri="{FF2B5EF4-FFF2-40B4-BE49-F238E27FC236}">
-                <a16:creationId xmlns:a16="http://schemas.microsoft.com/office/drawing/2014/main" id="{D6DDCED2-D043-4338-99B1-C17338D5777B}"/>
-              </a:ext>
-            </a:extLst>
-          </p:cNvPr>
-          <p:cNvPicPr>
-            <a:picLocks noChangeAspect="1"/>
-          </p:cNvPicPr>
-          <p:nvPr/>
-        </p:nvPicPr>
-        <p:blipFill>
-          <a:blip r:embed="rId2"/>
-          <a:stretch>
-            <a:fillRect/>
-          </a:stretch>
-        </p:blipFill>
-        <p:spPr>
-          <a:xfrm>
-            <a:off x="124523" y="1716987"/>
-            <a:ext cx="11942956" cy="3191709"/>
-          </a:xfrm>
-          <a:prstGeom prst="rect">
-            <a:avLst/>
-          </a:prstGeom>
-        </p:spPr>
-      </p:pic>
+              <a:rPr lang="en-US" dirty="0"/>
+              <a:t>Introduction</a:t>
+            </a:r>
+          </a:p>
+        </p:txBody>
+      </p:sp>
     </p:spTree>
     <p:extLst>
       <p:ext uri="{BB962C8B-B14F-4D97-AF65-F5344CB8AC3E}">
-        <p14:creationId xmlns:p14="http://schemas.microsoft.com/office/powerpoint/2010/main" val="109857222"/>
+        <p14:creationId xmlns:p14="http://schemas.microsoft.com/office/powerpoint/2010/main" val="1202083213"/>
       </p:ext>
     </p:extLst>
   </p:cSld>
@@ -16311,6 +16816,23 @@
 <file path=ppt/slides/slide3.xml><?xml version="1.0" encoding="utf-8"?>
 <p:sld xmlns:a="http://schemas.openxmlformats.org/drawingml/2006/main" xmlns:r="http://schemas.openxmlformats.org/officeDocument/2006/relationships" xmlns:p="http://schemas.openxmlformats.org/presentationml/2006/main">
   <p:cSld>
+    <p:bg>
+      <p:bgPr>
+        <a:gradFill flip="none" rotWithShape="1">
+          <a:gsLst>
+            <a:gs pos="100000">
+              <a:srgbClr val="A6826A"/>
+            </a:gs>
+            <a:gs pos="0">
+              <a:srgbClr val="838383"/>
+            </a:gs>
+          </a:gsLst>
+          <a:lin ang="16200000" scaled="1"/>
+          <a:tileRect/>
+        </a:gradFill>
+        <a:effectLst/>
+      </p:bgPr>
+    </p:bg>
     <p:spTree>
       <p:nvGrpSpPr>
         <p:cNvPr id="1" name=""/>
@@ -16327,35 +16849,70 @@
       </p:grpSpPr>
       <p:sp>
         <p:nvSpPr>
-          <p:cNvPr id="3" name="Subtitle 2"/>
-          <p:cNvSpPr>
-            <a:spLocks noGrp="1"/>
-          </p:cNvSpPr>
-          <p:nvPr>
-            <p:ph type="subTitle" idx="1"/>
+          <p:cNvPr id="2" name="Title 1"/>
+          <p:cNvSpPr>
+            <a:spLocks noGrp="1"/>
+          </p:cNvSpPr>
+          <p:nvPr>
+            <p:ph type="ctrTitle"/>
           </p:nvPr>
         </p:nvSpPr>
         <p:spPr>
           <a:xfrm>
-            <a:off x="-1" y="1353209"/>
+            <a:off x="1616927" y="248851"/>
+            <a:ext cx="9144000" cy="594112"/>
+          </a:xfrm>
+        </p:spPr>
+        <p:txBody>
+          <a:bodyPr>
+            <a:normAutofit fontScale="90000"/>
+          </a:bodyPr>
+          <a:lstStyle/>
+          <a:p>
+            <a:r>
+              <a:rPr lang="en-US" u="sng" dirty="0">
+                <a:cs typeface="Calibri Light"/>
+              </a:rPr>
+              <a:t>Query Results</a:t>
+            </a:r>
+          </a:p>
+        </p:txBody>
+      </p:sp>
+      <p:sp>
+        <p:nvSpPr>
+          <p:cNvPr id="3" name="Subtitle 2"/>
+          <p:cNvSpPr>
+            <a:spLocks noGrp="1"/>
+          </p:cNvSpPr>
+          <p:nvPr>
+            <p:ph type="subTitle" idx="1"/>
+          </p:nvPr>
+        </p:nvSpPr>
+        <p:spPr>
+          <a:xfrm>
+            <a:off x="0" y="1619539"/>
             <a:ext cx="3744953" cy="326909"/>
           </a:xfrm>
         </p:spPr>
         <p:txBody>
           <a:bodyPr vert="horz" lIns="91440" tIns="45720" rIns="91440" bIns="45720" rtlCol="0" anchor="t">
-            <a:normAutofit fontScale="62500" lnSpcReduction="20000"/>
+            <a:normAutofit fontScale="85000" lnSpcReduction="20000"/>
           </a:bodyPr>
           <a:lstStyle/>
           <a:p>
+            <a:r>
+              <a:rPr lang="en-US" dirty="0">
+                <a:cs typeface="Calibri"/>
+              </a:rPr>
+              <a:t>1. </a:t>
+            </a:r>
             <a:r>
               <a:rPr lang="en-US" dirty="0">
                 <a:ea typeface="+mn-lt"/>
                 <a:cs typeface="+mn-lt"/>
               </a:rPr>
-              <a:t>2. Covid Reports below Avg life expectancy:</a:t>
-            </a:r>
-          </a:p>
-          <a:p>
+              <a:t>Continent, Country Death rate:</a:t>
+            </a:r>
             <a:endParaRPr lang="en-US" dirty="0">
               <a:cs typeface="Calibri"/>
             </a:endParaRPr>
@@ -16369,10 +16926,10 @@
       </p:sp>
       <p:pic>
         <p:nvPicPr>
-          <p:cNvPr id="7" name="Picture 7" descr="Chart, bar chart&#10;&#10;Description automatically generated">
-            <a:extLst>
-              <a:ext uri="{FF2B5EF4-FFF2-40B4-BE49-F238E27FC236}">
-                <a16:creationId xmlns:a16="http://schemas.microsoft.com/office/drawing/2014/main" id="{1198C476-ABF1-4F21-8A10-8574B27A191F}"/>
+          <p:cNvPr id="4" name="Picture 4" descr="Chart, pie chart&#10;&#10;Description automatically generated">
+            <a:extLst>
+              <a:ext uri="{FF2B5EF4-FFF2-40B4-BE49-F238E27FC236}">
+                <a16:creationId xmlns:a16="http://schemas.microsoft.com/office/drawing/2014/main" id="{D6DDCED2-D043-4338-99B1-C17338D5777B}"/>
               </a:ext>
             </a:extLst>
           </p:cNvPr>
@@ -16389,8 +16946,8 @@
         </p:blipFill>
         <p:spPr>
           <a:xfrm>
-            <a:off x="87352" y="1830861"/>
-            <a:ext cx="11980126" cy="3177693"/>
+            <a:off x="124522" y="2313082"/>
+            <a:ext cx="11942956" cy="3191709"/>
           </a:xfrm>
           <a:prstGeom prst="rect">
             <a:avLst/>
@@ -16400,7 +16957,7 @@
     </p:spTree>
     <p:extLst>
       <p:ext uri="{BB962C8B-B14F-4D97-AF65-F5344CB8AC3E}">
-        <p14:creationId xmlns:p14="http://schemas.microsoft.com/office/powerpoint/2010/main" val="941284075"/>
+        <p14:creationId xmlns:p14="http://schemas.microsoft.com/office/powerpoint/2010/main" val="3167782328"/>
       </p:ext>
     </p:extLst>
   </p:cSld>
@@ -16439,8 +16996,8 @@
         </p:nvSpPr>
         <p:spPr>
           <a:xfrm>
-            <a:off x="-37172" y="981502"/>
-            <a:ext cx="4804318" cy="391958"/>
+            <a:off x="0" y="1781606"/>
+            <a:ext cx="4740748" cy="439477"/>
           </a:xfrm>
         </p:spPr>
         <p:txBody>
@@ -16449,18 +17006,12 @@
           </a:bodyPr>
           <a:lstStyle/>
           <a:p>
+            <a:pPr algn="l"/>
             <a:r>
               <a:rPr lang="en-US" sz="1600" dirty="0">
                 <a:cs typeface="Calibri"/>
               </a:rPr>
-              <a:t>3. </a:t>
-            </a:r>
-            <a:r>
-              <a:rPr lang="en-US" sz="1600" dirty="0">
-                <a:ea typeface="+mn-lt"/>
-                <a:cs typeface="+mn-lt"/>
-              </a:rPr>
-              <a:t>Total Number of Vaccinated People and Total Death:</a:t>
+              <a:t>8.  Vaccination per age group:</a:t>
             </a:r>
           </a:p>
           <a:p>
@@ -16468,19 +17019,14 @@
               <a:cs typeface="Calibri"/>
             </a:endParaRPr>
           </a:p>
-          <a:p>
-            <a:endParaRPr lang="en-US" dirty="0">
-              <a:cs typeface="Calibri"/>
-            </a:endParaRPr>
-          </a:p>
         </p:txBody>
       </p:sp>
       <p:pic>
         <p:nvPicPr>
-          <p:cNvPr id="7" name="Picture 7" descr="Chart&#10;&#10;Description automatically generated">
-            <a:extLst>
-              <a:ext uri="{FF2B5EF4-FFF2-40B4-BE49-F238E27FC236}">
-                <a16:creationId xmlns:a16="http://schemas.microsoft.com/office/drawing/2014/main" id="{0026AEEF-850C-4566-AA97-3A96FFC0696C}"/>
+          <p:cNvPr id="2" name="Picture 3" descr="Chart, bar chart&#10;&#10;Description automatically generated">
+            <a:extLst>
+              <a:ext uri="{FF2B5EF4-FFF2-40B4-BE49-F238E27FC236}">
+                <a16:creationId xmlns:a16="http://schemas.microsoft.com/office/drawing/2014/main" id="{E4CA8346-5669-452E-ADA3-3C60D0DDDDFE}"/>
               </a:ext>
             </a:extLst>
           </p:cNvPr>
@@ -16497,7 +17043,251 @@
         </p:blipFill>
         <p:spPr>
           <a:xfrm>
-            <a:off x="105938" y="1778430"/>
+            <a:off x="59474" y="2558334"/>
+            <a:ext cx="12073052" cy="2935310"/>
+          </a:xfrm>
+          <a:prstGeom prst="rect">
+            <a:avLst/>
+          </a:prstGeom>
+        </p:spPr>
+      </p:pic>
+    </p:spTree>
+    <p:extLst>
+      <p:ext uri="{BB962C8B-B14F-4D97-AF65-F5344CB8AC3E}">
+        <p14:creationId xmlns:p14="http://schemas.microsoft.com/office/powerpoint/2010/main" val="3463313333"/>
+      </p:ext>
+    </p:extLst>
+  </p:cSld>
+  <p:clrMapOvr>
+    <a:masterClrMapping/>
+  </p:clrMapOvr>
+</p:sld>
+</file>
+
+<file path=ppt/slides/slide5.xml><?xml version="1.0" encoding="utf-8"?>
+<p:sld xmlns:a="http://schemas.openxmlformats.org/drawingml/2006/main" xmlns:r="http://schemas.openxmlformats.org/officeDocument/2006/relationships" xmlns:p="http://schemas.openxmlformats.org/presentationml/2006/main">
+  <p:cSld>
+    <p:bg>
+      <p:bgPr>
+        <a:gradFill flip="none" rotWithShape="1">
+          <a:gsLst>
+            <a:gs pos="100000">
+              <a:srgbClr val="A6826A"/>
+            </a:gs>
+            <a:gs pos="0">
+              <a:srgbClr val="838383"/>
+            </a:gs>
+          </a:gsLst>
+          <a:lin ang="16200000" scaled="1"/>
+          <a:tileRect/>
+        </a:gradFill>
+        <a:effectLst/>
+      </p:bgPr>
+    </p:bg>
+    <p:spTree>
+      <p:nvGrpSpPr>
+        <p:cNvPr id="1" name=""/>
+        <p:cNvGrpSpPr/>
+        <p:nvPr/>
+      </p:nvGrpSpPr>
+      <p:grpSpPr>
+        <a:xfrm>
+          <a:off x="0" y="0"/>
+          <a:ext cx="0" cy="0"/>
+          <a:chOff x="0" y="0"/>
+          <a:chExt cx="0" cy="0"/>
+        </a:xfrm>
+      </p:grpSpPr>
+      <p:sp>
+        <p:nvSpPr>
+          <p:cNvPr id="3" name="Subtitle 2"/>
+          <p:cNvSpPr>
+            <a:spLocks noGrp="1"/>
+          </p:cNvSpPr>
+          <p:nvPr>
+            <p:ph type="subTitle" idx="1"/>
+          </p:nvPr>
+        </p:nvSpPr>
+        <p:spPr>
+          <a:xfrm>
+            <a:off x="0" y="2116689"/>
+            <a:ext cx="3744953" cy="326909"/>
+          </a:xfrm>
+        </p:spPr>
+        <p:txBody>
+          <a:bodyPr vert="horz" lIns="91440" tIns="45720" rIns="91440" bIns="45720" rtlCol="0" anchor="t">
+            <a:normAutofit fontScale="62500" lnSpcReduction="20000"/>
+          </a:bodyPr>
+          <a:lstStyle/>
+          <a:p>
+            <a:r>
+              <a:rPr lang="en-US" dirty="0">
+                <a:ea typeface="+mn-lt"/>
+                <a:cs typeface="+mn-lt"/>
+              </a:rPr>
+              <a:t>2. Covid Reports below Avg life expectancy:</a:t>
+            </a:r>
+          </a:p>
+          <a:p>
+            <a:endParaRPr lang="en-US" dirty="0">
+              <a:cs typeface="Calibri"/>
+            </a:endParaRPr>
+          </a:p>
+          <a:p>
+            <a:endParaRPr lang="en-US" dirty="0">
+              <a:cs typeface="Calibri"/>
+            </a:endParaRPr>
+          </a:p>
+        </p:txBody>
+      </p:sp>
+      <p:pic>
+        <p:nvPicPr>
+          <p:cNvPr id="7" name="Picture 7" descr="Chart, bar chart&#10;&#10;Description automatically generated">
+            <a:extLst>
+              <a:ext uri="{FF2B5EF4-FFF2-40B4-BE49-F238E27FC236}">
+                <a16:creationId xmlns:a16="http://schemas.microsoft.com/office/drawing/2014/main" id="{1198C476-ABF1-4F21-8A10-8574B27A191F}"/>
+              </a:ext>
+            </a:extLst>
+          </p:cNvPr>
+          <p:cNvPicPr>
+            <a:picLocks noChangeAspect="1"/>
+          </p:cNvPicPr>
+          <p:nvPr/>
+        </p:nvPicPr>
+        <p:blipFill>
+          <a:blip r:embed="rId2"/>
+          <a:stretch>
+            <a:fillRect/>
+          </a:stretch>
+        </p:blipFill>
+        <p:spPr>
+          <a:xfrm>
+            <a:off x="105937" y="2683117"/>
+            <a:ext cx="11980126" cy="3177693"/>
+          </a:xfrm>
+          <a:prstGeom prst="rect">
+            <a:avLst/>
+          </a:prstGeom>
+        </p:spPr>
+      </p:pic>
+    </p:spTree>
+    <p:extLst>
+      <p:ext uri="{BB962C8B-B14F-4D97-AF65-F5344CB8AC3E}">
+        <p14:creationId xmlns:p14="http://schemas.microsoft.com/office/powerpoint/2010/main" val="941284075"/>
+      </p:ext>
+    </p:extLst>
+  </p:cSld>
+  <p:clrMapOvr>
+    <a:masterClrMapping/>
+  </p:clrMapOvr>
+</p:sld>
+</file>
+
+<file path=ppt/slides/slide6.xml><?xml version="1.0" encoding="utf-8"?>
+<p:sld xmlns:a="http://schemas.openxmlformats.org/drawingml/2006/main" xmlns:r="http://schemas.openxmlformats.org/officeDocument/2006/relationships" xmlns:p="http://schemas.openxmlformats.org/presentationml/2006/main">
+  <p:cSld>
+    <p:bg>
+      <p:bgPr>
+        <a:gradFill flip="none" rotWithShape="1">
+          <a:gsLst>
+            <a:gs pos="0">
+              <a:srgbClr val="A6826A"/>
+            </a:gs>
+            <a:gs pos="100000">
+              <a:srgbClr val="838383"/>
+            </a:gs>
+          </a:gsLst>
+          <a:lin ang="16200000" scaled="1"/>
+          <a:tileRect/>
+        </a:gradFill>
+        <a:effectLst/>
+      </p:bgPr>
+    </p:bg>
+    <p:spTree>
+      <p:nvGrpSpPr>
+        <p:cNvPr id="1" name=""/>
+        <p:cNvGrpSpPr/>
+        <p:nvPr/>
+      </p:nvGrpSpPr>
+      <p:grpSpPr>
+        <a:xfrm>
+          <a:off x="0" y="0"/>
+          <a:ext cx="0" cy="0"/>
+          <a:chOff x="0" y="0"/>
+          <a:chExt cx="0" cy="0"/>
+        </a:xfrm>
+      </p:grpSpPr>
+      <p:sp>
+        <p:nvSpPr>
+          <p:cNvPr id="3" name="Subtitle 2"/>
+          <p:cNvSpPr>
+            <a:spLocks noGrp="1"/>
+          </p:cNvSpPr>
+          <p:nvPr>
+            <p:ph type="subTitle" idx="1"/>
+          </p:nvPr>
+        </p:nvSpPr>
+        <p:spPr>
+          <a:xfrm>
+            <a:off x="0" y="1780492"/>
+            <a:ext cx="4804318" cy="391958"/>
+          </a:xfrm>
+        </p:spPr>
+        <p:txBody>
+          <a:bodyPr vert="horz" lIns="91440" tIns="45720" rIns="91440" bIns="45720" rtlCol="0" anchor="t">
+            <a:normAutofit/>
+          </a:bodyPr>
+          <a:lstStyle/>
+          <a:p>
+            <a:r>
+              <a:rPr lang="en-US" sz="1600" dirty="0">
+                <a:cs typeface="Calibri"/>
+              </a:rPr>
+              <a:t>3. </a:t>
+            </a:r>
+            <a:r>
+              <a:rPr lang="en-US" sz="1600" dirty="0">
+                <a:ea typeface="+mn-lt"/>
+                <a:cs typeface="+mn-lt"/>
+              </a:rPr>
+              <a:t>Total Number of Vaccinated People and Total Death:</a:t>
+            </a:r>
+          </a:p>
+          <a:p>
+            <a:endParaRPr lang="en-US" dirty="0">
+              <a:cs typeface="Calibri"/>
+            </a:endParaRPr>
+          </a:p>
+          <a:p>
+            <a:endParaRPr lang="en-US" dirty="0">
+              <a:cs typeface="Calibri"/>
+            </a:endParaRPr>
+          </a:p>
+        </p:txBody>
+      </p:sp>
+      <p:pic>
+        <p:nvPicPr>
+          <p:cNvPr id="7" name="Picture 7" descr="Chart&#10;&#10;Description automatically generated">
+            <a:extLst>
+              <a:ext uri="{FF2B5EF4-FFF2-40B4-BE49-F238E27FC236}">
+                <a16:creationId xmlns:a16="http://schemas.microsoft.com/office/drawing/2014/main" id="{0026AEEF-850C-4566-AA97-3A96FFC0696C}"/>
+              </a:ext>
+            </a:extLst>
+          </p:cNvPr>
+          <p:cNvPicPr>
+            <a:picLocks noChangeAspect="1"/>
+          </p:cNvPicPr>
+          <p:nvPr/>
+        </p:nvPicPr>
+        <p:blipFill>
+          <a:blip r:embed="rId2"/>
+          <a:stretch>
+            <a:fillRect/>
+          </a:stretch>
+        </p:blipFill>
+        <p:spPr>
+          <a:xfrm>
+            <a:off x="110584" y="2453133"/>
             <a:ext cx="11970832" cy="3068823"/>
           </a:xfrm>
           <a:prstGeom prst="rect">
@@ -16518,9 +17308,26 @@
 </p:sld>
 </file>
 
-<file path=ppt/slides/slide5.xml><?xml version="1.0" encoding="utf-8"?>
+<file path=ppt/slides/slide7.xml><?xml version="1.0" encoding="utf-8"?>
 <p:sld xmlns:a="http://schemas.openxmlformats.org/drawingml/2006/main" xmlns:r="http://schemas.openxmlformats.org/officeDocument/2006/relationships" xmlns:p="http://schemas.openxmlformats.org/presentationml/2006/main">
   <p:cSld>
+    <p:bg>
+      <p:bgPr>
+        <a:gradFill flip="none" rotWithShape="1">
+          <a:gsLst>
+            <a:gs pos="100000">
+              <a:srgbClr val="A6826A"/>
+            </a:gs>
+            <a:gs pos="0">
+              <a:srgbClr val="838383"/>
+            </a:gs>
+          </a:gsLst>
+          <a:lin ang="16200000" scaled="1"/>
+          <a:tileRect/>
+        </a:gradFill>
+        <a:effectLst/>
+      </p:bgPr>
+    </p:bg>
     <p:spTree>
       <p:nvGrpSpPr>
         <p:cNvPr id="1" name=""/>
@@ -16547,7 +17354,7 @@
         </p:nvSpPr>
         <p:spPr>
           <a:xfrm>
-            <a:off x="-362416" y="1027965"/>
+            <a:off x="-309150" y="1738179"/>
             <a:ext cx="3930807" cy="410544"/>
           </a:xfrm>
         </p:spPr>
@@ -16603,7 +17410,7 @@
         </p:blipFill>
         <p:spPr>
           <a:xfrm>
-            <a:off x="254620" y="1466065"/>
+            <a:off x="259266" y="2549141"/>
             <a:ext cx="11673467" cy="2922260"/>
           </a:xfrm>
           <a:prstGeom prst="rect">
@@ -16615,219 +17422,6 @@
     <p:extLst>
       <p:ext uri="{BB962C8B-B14F-4D97-AF65-F5344CB8AC3E}">
         <p14:creationId xmlns:p14="http://schemas.microsoft.com/office/powerpoint/2010/main" val="3201639754"/>
-      </p:ext>
-    </p:extLst>
-  </p:cSld>
-  <p:clrMapOvr>
-    <a:masterClrMapping/>
-  </p:clrMapOvr>
-</p:sld>
-</file>
-
-<file path=ppt/slides/slide6.xml><?xml version="1.0" encoding="utf-8"?>
-<p:sld xmlns:a="http://schemas.openxmlformats.org/drawingml/2006/main" xmlns:r="http://schemas.openxmlformats.org/officeDocument/2006/relationships" xmlns:p="http://schemas.openxmlformats.org/presentationml/2006/main">
-  <p:cSld>
-    <p:spTree>
-      <p:nvGrpSpPr>
-        <p:cNvPr id="1" name=""/>
-        <p:cNvGrpSpPr/>
-        <p:nvPr/>
-      </p:nvGrpSpPr>
-      <p:grpSpPr>
-        <a:xfrm>
-          <a:off x="0" y="0"/>
-          <a:ext cx="0" cy="0"/>
-          <a:chOff x="0" y="0"/>
-          <a:chExt cx="0" cy="0"/>
-        </a:xfrm>
-      </p:grpSpPr>
-      <p:sp>
-        <p:nvSpPr>
-          <p:cNvPr id="3" name="Subtitle 2"/>
-          <p:cNvSpPr>
-            <a:spLocks noGrp="1"/>
-          </p:cNvSpPr>
-          <p:nvPr>
-            <p:ph type="subTitle" idx="1"/>
-          </p:nvPr>
-        </p:nvSpPr>
-        <p:spPr>
-          <a:xfrm>
-            <a:off x="-1" y="1353209"/>
-            <a:ext cx="5064513" cy="642860"/>
-          </a:xfrm>
-        </p:spPr>
-        <p:txBody>
-          <a:bodyPr vert="horz" lIns="91440" tIns="45720" rIns="91440" bIns="45720" rtlCol="0" anchor="t">
-            <a:normAutofit fontScale="92500"/>
-          </a:bodyPr>
-          <a:lstStyle/>
-          <a:p>
-            <a:r>
-              <a:rPr lang="en-US" dirty="0">
-                <a:cs typeface="Calibri"/>
-              </a:rPr>
-              <a:t>5. </a:t>
-            </a:r>
-            <a:r>
-              <a:rPr lang="en-US" dirty="0">
-                <a:ea typeface="+mn-lt"/>
-                <a:cs typeface="+mn-lt"/>
-              </a:rPr>
-              <a:t>Total deaths in relation to hospital bed:</a:t>
-            </a:r>
-            <a:endParaRPr lang="en-US" dirty="0">
-              <a:cs typeface="Calibri"/>
-            </a:endParaRPr>
-          </a:p>
-          <a:p>
-            <a:endParaRPr lang="en-US" dirty="0">
-              <a:cs typeface="Calibri"/>
-            </a:endParaRPr>
-          </a:p>
-        </p:txBody>
-      </p:sp>
-      <p:pic>
-        <p:nvPicPr>
-          <p:cNvPr id="5" name="Picture 5" descr="Chart, bar chart&#10;&#10;Description automatically generated">
-            <a:extLst>
-              <a:ext uri="{FF2B5EF4-FFF2-40B4-BE49-F238E27FC236}">
-                <a16:creationId xmlns:a16="http://schemas.microsoft.com/office/drawing/2014/main" id="{3D72AAD8-F19A-41A5-991F-267CB9AFA459}"/>
-              </a:ext>
-            </a:extLst>
-          </p:cNvPr>
-          <p:cNvPicPr>
-            <a:picLocks noChangeAspect="1"/>
-          </p:cNvPicPr>
-          <p:nvPr/>
-        </p:nvPicPr>
-        <p:blipFill>
-          <a:blip r:embed="rId2"/>
-          <a:stretch>
-            <a:fillRect/>
-          </a:stretch>
-        </p:blipFill>
-        <p:spPr>
-          <a:xfrm>
-            <a:off x="260112" y="1799294"/>
-            <a:ext cx="11812857" cy="3111572"/>
-          </a:xfrm>
-          <a:prstGeom prst="rect">
-            <a:avLst/>
-          </a:prstGeom>
-        </p:spPr>
-      </p:pic>
-    </p:spTree>
-    <p:extLst>
-      <p:ext uri="{BB962C8B-B14F-4D97-AF65-F5344CB8AC3E}">
-        <p14:creationId xmlns:p14="http://schemas.microsoft.com/office/powerpoint/2010/main" val="4191258751"/>
-      </p:ext>
-    </p:extLst>
-  </p:cSld>
-  <p:clrMapOvr>
-    <a:masterClrMapping/>
-  </p:clrMapOvr>
-</p:sld>
-</file>
-
-<file path=ppt/slides/slide7.xml><?xml version="1.0" encoding="utf-8"?>
-<p:sld xmlns:a="http://schemas.openxmlformats.org/drawingml/2006/main" xmlns:r="http://schemas.openxmlformats.org/officeDocument/2006/relationships" xmlns:p="http://schemas.openxmlformats.org/presentationml/2006/main">
-  <p:cSld>
-    <p:spTree>
-      <p:nvGrpSpPr>
-        <p:cNvPr id="1" name=""/>
-        <p:cNvGrpSpPr/>
-        <p:nvPr/>
-      </p:nvGrpSpPr>
-      <p:grpSpPr>
-        <a:xfrm>
-          <a:off x="0" y="0"/>
-          <a:ext cx="0" cy="0"/>
-          <a:chOff x="0" y="0"/>
-          <a:chExt cx="0" cy="0"/>
-        </a:xfrm>
-      </p:grpSpPr>
-      <p:sp>
-        <p:nvSpPr>
-          <p:cNvPr id="3" name="Subtitle 2"/>
-          <p:cNvSpPr>
-            <a:spLocks noGrp="1"/>
-          </p:cNvSpPr>
-          <p:nvPr>
-            <p:ph type="subTitle" idx="1"/>
-          </p:nvPr>
-        </p:nvSpPr>
-        <p:spPr>
-          <a:xfrm>
-            <a:off x="-1" y="911595"/>
-            <a:ext cx="4740748" cy="439477"/>
-          </a:xfrm>
-        </p:spPr>
-        <p:txBody>
-          <a:bodyPr vert="horz" lIns="91440" tIns="45720" rIns="91440" bIns="45720" rtlCol="0" anchor="t">
-            <a:normAutofit/>
-          </a:bodyPr>
-          <a:lstStyle/>
-          <a:p>
-            <a:pPr algn="l"/>
-            <a:r>
-              <a:rPr lang="en-US" sz="1600" dirty="0">
-                <a:cs typeface="Calibri"/>
-              </a:rPr>
-              <a:t>6. </a:t>
-            </a:r>
-            <a:r>
-              <a:rPr lang="en-US" sz="1600" dirty="0">
-                <a:ea typeface="+mn-lt"/>
-                <a:cs typeface="+mn-lt"/>
-              </a:rPr>
-              <a:t>Vaccination summary per year:</a:t>
-            </a:r>
-            <a:endParaRPr lang="en-US" sz="1600" dirty="0">
-              <a:cs typeface="Calibri"/>
-            </a:endParaRPr>
-          </a:p>
-          <a:p>
-            <a:endParaRPr lang="en-US" dirty="0">
-              <a:cs typeface="Calibri"/>
-            </a:endParaRPr>
-          </a:p>
-        </p:txBody>
-      </p:sp>
-      <p:pic>
-        <p:nvPicPr>
-          <p:cNvPr id="11" name="Picture 11" descr="Chart, line chart&#10;&#10;Description automatically generated">
-            <a:extLst>
-              <a:ext uri="{FF2B5EF4-FFF2-40B4-BE49-F238E27FC236}">
-                <a16:creationId xmlns:a16="http://schemas.microsoft.com/office/drawing/2014/main" id="{A046F4A6-727A-4B00-ACEB-8B65975D7B34}"/>
-              </a:ext>
-            </a:extLst>
-          </p:cNvPr>
-          <p:cNvPicPr>
-            <a:picLocks noChangeAspect="1"/>
-          </p:cNvPicPr>
-          <p:nvPr/>
-        </p:nvPicPr>
-        <p:blipFill>
-          <a:blip r:embed="rId2"/>
-          <a:stretch>
-            <a:fillRect/>
-          </a:stretch>
-        </p:blipFill>
-        <p:spPr>
-          <a:xfrm>
-            <a:off x="115229" y="1798638"/>
-            <a:ext cx="11924371" cy="3242139"/>
-          </a:xfrm>
-          <a:prstGeom prst="rect">
-            <a:avLst/>
-          </a:prstGeom>
-        </p:spPr>
-      </p:pic>
-    </p:spTree>
-    <p:extLst>
-      <p:ext uri="{BB962C8B-B14F-4D97-AF65-F5344CB8AC3E}">
-        <p14:creationId xmlns:p14="http://schemas.microsoft.com/office/powerpoint/2010/main" val="3994831491"/>
       </p:ext>
     </p:extLst>
   </p:cSld>
@@ -16866,47 +17460,46 @@
         </p:nvSpPr>
         <p:spPr>
           <a:xfrm>
-            <a:off x="-1" y="911595"/>
-            <a:ext cx="4740748" cy="439477"/>
+            <a:off x="0" y="1859237"/>
+            <a:ext cx="5064513" cy="475590"/>
           </a:xfrm>
         </p:spPr>
         <p:txBody>
           <a:bodyPr vert="horz" lIns="91440" tIns="45720" rIns="91440" bIns="45720" rtlCol="0" anchor="t">
-            <a:normAutofit/>
+            <a:normAutofit fontScale="92500"/>
           </a:bodyPr>
           <a:lstStyle/>
           <a:p>
-            <a:pPr algn="l"/>
-            <a:r>
-              <a:rPr lang="en-US" sz="1600" dirty="0">
+            <a:r>
+              <a:rPr lang="en-US" dirty="0">
                 <a:cs typeface="Calibri"/>
               </a:rPr>
-              <a:t>7. </a:t>
-            </a:r>
-            <a:r>
-              <a:rPr lang="en-US" sz="1600" dirty="0">
+              <a:t>5. </a:t>
+            </a:r>
+            <a:r>
+              <a:rPr lang="en-US" dirty="0">
                 <a:ea typeface="+mn-lt"/>
                 <a:cs typeface="+mn-lt"/>
               </a:rPr>
-              <a:t>Vaccination in high-risk areas:</a:t>
-            </a:r>
-            <a:endParaRPr lang="en-US" sz="1600" dirty="0">
-              <a:cs typeface="Calibri"/>
-            </a:endParaRPr>
-          </a:p>
-          <a:p>
+              <a:t>Total deaths in relation to hospital bed:</a:t>
+            </a:r>
             <a:endParaRPr lang="en-US" dirty="0">
               <a:cs typeface="Calibri"/>
             </a:endParaRPr>
           </a:p>
+          <a:p>
+            <a:endParaRPr lang="en-US" dirty="0">
+              <a:cs typeface="Calibri"/>
+            </a:endParaRPr>
+          </a:p>
         </p:txBody>
       </p:sp>
       <p:pic>
         <p:nvPicPr>
-          <p:cNvPr id="2" name="Picture 3" descr="Chart, waterfall chart&#10;&#10;Description automatically generated">
-            <a:extLst>
-              <a:ext uri="{FF2B5EF4-FFF2-40B4-BE49-F238E27FC236}">
-                <a16:creationId xmlns:a16="http://schemas.microsoft.com/office/drawing/2014/main" id="{3E241ADC-B51E-4A0D-86F0-F27E864BDAD8}"/>
+          <p:cNvPr id="5" name="Picture 5" descr="Chart, bar chart&#10;&#10;Description automatically generated">
+            <a:extLst>
+              <a:ext uri="{FF2B5EF4-FFF2-40B4-BE49-F238E27FC236}">
+                <a16:creationId xmlns:a16="http://schemas.microsoft.com/office/drawing/2014/main" id="{3D72AAD8-F19A-41A5-991F-267CB9AFA459}"/>
               </a:ext>
             </a:extLst>
           </p:cNvPr>
@@ -16923,8 +17516,8 @@
         </p:blipFill>
         <p:spPr>
           <a:xfrm>
-            <a:off x="170986" y="1509812"/>
-            <a:ext cx="11850028" cy="2955571"/>
+            <a:off x="189571" y="2580529"/>
+            <a:ext cx="11812857" cy="3111572"/>
           </a:xfrm>
           <a:prstGeom prst="rect">
             <a:avLst/>
@@ -16934,7 +17527,7 @@
     </p:spTree>
     <p:extLst>
       <p:ext uri="{BB962C8B-B14F-4D97-AF65-F5344CB8AC3E}">
-        <p14:creationId xmlns:p14="http://schemas.microsoft.com/office/powerpoint/2010/main" val="1167348216"/>
+        <p14:creationId xmlns:p14="http://schemas.microsoft.com/office/powerpoint/2010/main" val="4191258751"/>
       </p:ext>
     </p:extLst>
   </p:cSld>
@@ -16947,6 +17540,23 @@
 <file path=ppt/slides/slide9.xml><?xml version="1.0" encoding="utf-8"?>
 <p:sld xmlns:a="http://schemas.openxmlformats.org/drawingml/2006/main" xmlns:r="http://schemas.openxmlformats.org/officeDocument/2006/relationships" xmlns:p="http://schemas.openxmlformats.org/presentationml/2006/main">
   <p:cSld>
+    <p:bg>
+      <p:bgPr>
+        <a:gradFill flip="none" rotWithShape="1">
+          <a:gsLst>
+            <a:gs pos="100000">
+              <a:srgbClr val="A6826A"/>
+            </a:gs>
+            <a:gs pos="0">
+              <a:srgbClr val="838383"/>
+            </a:gs>
+          </a:gsLst>
+          <a:lin ang="16200000" scaled="1"/>
+          <a:tileRect/>
+        </a:gradFill>
+        <a:effectLst/>
+      </p:bgPr>
+    </p:bg>
     <p:spTree>
       <p:nvGrpSpPr>
         <p:cNvPr id="1" name=""/>
@@ -16973,7 +17583,7 @@
         </p:nvSpPr>
         <p:spPr>
           <a:xfrm>
-            <a:off x="-1" y="911595"/>
+            <a:off x="0" y="1763851"/>
             <a:ext cx="4740748" cy="439477"/>
           </a:xfrm>
         </p:spPr>
@@ -16988,8 +17598,18 @@
               <a:rPr lang="en-US" sz="1600" dirty="0">
                 <a:cs typeface="Calibri"/>
               </a:rPr>
-              <a:t>8.  Vaccination per age group:</a:t>
-            </a:r>
+              <a:t>6. </a:t>
+            </a:r>
+            <a:r>
+              <a:rPr lang="en-US" sz="1600" dirty="0">
+                <a:ea typeface="+mn-lt"/>
+                <a:cs typeface="+mn-lt"/>
+              </a:rPr>
+              <a:t>Vaccination summary per year:</a:t>
+            </a:r>
+            <a:endParaRPr lang="en-US" sz="1600" dirty="0">
+              <a:cs typeface="Calibri"/>
+            </a:endParaRPr>
           </a:p>
           <a:p>
             <a:endParaRPr lang="en-US" dirty="0">
@@ -17000,10 +17620,10 @@
       </p:sp>
       <p:pic>
         <p:nvPicPr>
-          <p:cNvPr id="2" name="Picture 3" descr="Chart, bar chart&#10;&#10;Description automatically generated">
-            <a:extLst>
-              <a:ext uri="{FF2B5EF4-FFF2-40B4-BE49-F238E27FC236}">
-                <a16:creationId xmlns:a16="http://schemas.microsoft.com/office/drawing/2014/main" id="{E4CA8346-5669-452E-ADA3-3C60D0DDDDFE}"/>
+          <p:cNvPr id="11" name="Picture 11" descr="Chart, line chart&#10;&#10;Description automatically generated">
+            <a:extLst>
+              <a:ext uri="{FF2B5EF4-FFF2-40B4-BE49-F238E27FC236}">
+                <a16:creationId xmlns:a16="http://schemas.microsoft.com/office/drawing/2014/main" id="{A046F4A6-727A-4B00-ACEB-8B65975D7B34}"/>
               </a:ext>
             </a:extLst>
           </p:cNvPr>
@@ -17020,8 +17640,8 @@
         </p:blipFill>
         <p:spPr>
           <a:xfrm>
-            <a:off x="3718" y="1552467"/>
-            <a:ext cx="12073052" cy="2935310"/>
+            <a:off x="133814" y="2553240"/>
+            <a:ext cx="11924371" cy="3242139"/>
           </a:xfrm>
           <a:prstGeom prst="rect">
             <a:avLst/>
@@ -17031,7 +17651,7 @@
     </p:spTree>
     <p:extLst>
       <p:ext uri="{BB962C8B-B14F-4D97-AF65-F5344CB8AC3E}">
-        <p14:creationId xmlns:p14="http://schemas.microsoft.com/office/powerpoint/2010/main" val="3463313333"/>
+        <p14:creationId xmlns:p14="http://schemas.microsoft.com/office/powerpoint/2010/main" val="3994831491"/>
       </p:ext>
     </p:extLst>
   </p:cSld>
@@ -17531,4 +18151,299 @@
     </a:ext>
   </a:extLst>
 </a:theme>
+</file>
+
+<file path=ppt/theme/theme3.xml><?xml version="1.0" encoding="utf-8"?>
+<a:theme xmlns:a="http://schemas.openxmlformats.org/drawingml/2006/main" name="Office Theme">
+  <a:themeElements>
+    <a:clrScheme name="Office">
+      <a:dk1>
+        <a:sysClr val="windowText" lastClr="000000"/>
+      </a:dk1>
+      <a:lt1>
+        <a:sysClr val="window" lastClr="FFFFFF"/>
+      </a:lt1>
+      <a:dk2>
+        <a:srgbClr val="44546A"/>
+      </a:dk2>
+      <a:lt2>
+        <a:srgbClr val="E7E6E6"/>
+      </a:lt2>
+      <a:accent1>
+        <a:srgbClr val="4472C4"/>
+      </a:accent1>
+      <a:accent2>
+        <a:srgbClr val="ED7D31"/>
+      </a:accent2>
+      <a:accent3>
+        <a:srgbClr val="A5A5A5"/>
+      </a:accent3>
+      <a:accent4>
+        <a:srgbClr val="FFC000"/>
+      </a:accent4>
+      <a:accent5>
+        <a:srgbClr val="5B9BD5"/>
+      </a:accent5>
+      <a:accent6>
+        <a:srgbClr val="70AD47"/>
+      </a:accent6>
+      <a:hlink>
+        <a:srgbClr val="0563C1"/>
+      </a:hlink>
+      <a:folHlink>
+        <a:srgbClr val="954F72"/>
+      </a:folHlink>
+    </a:clrScheme>
+    <a:fontScheme name="Office">
+      <a:majorFont>
+        <a:latin typeface="Calibri Light" panose="020F0302020204030204"/>
+        <a:ea typeface=""/>
+        <a:cs typeface=""/>
+        <a:font script="Jpan" typeface="游ゴシック Light"/>
+        <a:font script="Hang" typeface="맑은 고딕"/>
+        <a:font script="Hans" typeface="等线 Light"/>
+        <a:font script="Hant" typeface="新細明體"/>
+        <a:font script="Arab" typeface="Times New Roman"/>
+        <a:font script="Hebr" typeface="Times New Roman"/>
+        <a:font script="Thai" typeface="Angsana New"/>
+        <a:font script="Ethi" typeface="Nyala"/>
+        <a:font script="Beng" typeface="Vrinda"/>
+        <a:font script="Gujr" typeface="Shruti"/>
+        <a:font script="Khmr" typeface="MoolBoran"/>
+        <a:font script="Knda" typeface="Tunga"/>
+        <a:font script="Guru" typeface="Raavi"/>
+        <a:font script="Cans" typeface="Euphemia"/>
+        <a:font script="Cher" typeface="Plantagenet Cherokee"/>
+        <a:font script="Yiii" typeface="Microsoft Yi Baiti"/>
+        <a:font script="Tibt" typeface="Microsoft Himalaya"/>
+        <a:font script="Thaa" typeface="MV Boli"/>
+        <a:font script="Deva" typeface="Mangal"/>
+        <a:font script="Telu" typeface="Gautami"/>
+        <a:font script="Taml" typeface="Latha"/>
+        <a:font script="Syrc" typeface="Estrangelo Edessa"/>
+        <a:font script="Orya" typeface="Kalinga"/>
+        <a:font script="Mlym" typeface="Kartika"/>
+        <a:font script="Laoo" typeface="DokChampa"/>
+        <a:font script="Sinh" typeface="Iskoola Pota"/>
+        <a:font script="Mong" typeface="Mongolian Baiti"/>
+        <a:font script="Viet" typeface="Times New Roman"/>
+        <a:font script="Uigh" typeface="Microsoft Uighur"/>
+        <a:font script="Geor" typeface="Sylfaen"/>
+        <a:font script="Armn" typeface="Arial"/>
+        <a:font script="Bugi" typeface="Leelawadee UI"/>
+        <a:font script="Bopo" typeface="Microsoft JhengHei"/>
+        <a:font script="Java" typeface="Javanese Text"/>
+        <a:font script="Lisu" typeface="Segoe UI"/>
+        <a:font script="Mymr" typeface="Myanmar Text"/>
+        <a:font script="Nkoo" typeface="Ebrima"/>
+        <a:font script="Olck" typeface="Nirmala UI"/>
+        <a:font script="Osma" typeface="Ebrima"/>
+        <a:font script="Phag" typeface="Phagspa"/>
+        <a:font script="Syrn" typeface="Estrangelo Edessa"/>
+        <a:font script="Syrj" typeface="Estrangelo Edessa"/>
+        <a:font script="Syre" typeface="Estrangelo Edessa"/>
+        <a:font script="Sora" typeface="Nirmala UI"/>
+        <a:font script="Tale" typeface="Microsoft Tai Le"/>
+        <a:font script="Talu" typeface="Microsoft New Tai Lue"/>
+        <a:font script="Tfng" typeface="Ebrima"/>
+      </a:majorFont>
+      <a:minorFont>
+        <a:latin typeface="Calibri" panose="020F0502020204030204"/>
+        <a:ea typeface=""/>
+        <a:cs typeface=""/>
+        <a:font script="Jpan" typeface="游ゴシック"/>
+        <a:font script="Hang" typeface="맑은 고딕"/>
+        <a:font script="Hans" typeface="等线"/>
+        <a:font script="Hant" typeface="新細明體"/>
+        <a:font script="Arab" typeface="Arial"/>
+        <a:font script="Hebr" typeface="Arial"/>
+        <a:font script="Thai" typeface="Cordia New"/>
+        <a:font script="Ethi" typeface="Nyala"/>
+        <a:font script="Beng" typeface="Vrinda"/>
+        <a:font script="Gujr" typeface="Shruti"/>
+        <a:font script="Khmr" typeface="DaunPenh"/>
+        <a:font script="Knda" typeface="Tunga"/>
+        <a:font script="Guru" typeface="Raavi"/>
+        <a:font script="Cans" typeface="Euphemia"/>
+        <a:font script="Cher" typeface="Plantagenet Cherokee"/>
+        <a:font script="Yiii" typeface="Microsoft Yi Baiti"/>
+        <a:font script="Tibt" typeface="Microsoft Himalaya"/>
+        <a:font script="Thaa" typeface="MV Boli"/>
+        <a:font script="Deva" typeface="Mangal"/>
+        <a:font script="Telu" typeface="Gautami"/>
+        <a:font script="Taml" typeface="Latha"/>
+        <a:font script="Syrc" typeface="Estrangelo Edessa"/>
+        <a:font script="Orya" typeface="Kalinga"/>
+        <a:font script="Mlym" typeface="Kartika"/>
+        <a:font script="Laoo" typeface="DokChampa"/>
+        <a:font script="Sinh" typeface="Iskoola Pota"/>
+        <a:font script="Mong" typeface="Mongolian Baiti"/>
+        <a:font script="Viet" typeface="Arial"/>
+        <a:font script="Uigh" typeface="Microsoft Uighur"/>
+        <a:font script="Geor" typeface="Sylfaen"/>
+        <a:font script="Armn" typeface="Arial"/>
+        <a:font script="Bugi" typeface="Leelawadee UI"/>
+        <a:font script="Bopo" typeface="Microsoft JhengHei"/>
+        <a:font script="Java" typeface="Javanese Text"/>
+        <a:font script="Lisu" typeface="Segoe UI"/>
+        <a:font script="Mymr" typeface="Myanmar Text"/>
+        <a:font script="Nkoo" typeface="Ebrima"/>
+        <a:font script="Olck" typeface="Nirmala UI"/>
+        <a:font script="Osma" typeface="Ebrima"/>
+        <a:font script="Phag" typeface="Phagspa"/>
+        <a:font script="Syrn" typeface="Estrangelo Edessa"/>
+        <a:font script="Syrj" typeface="Estrangelo Edessa"/>
+        <a:font script="Syre" typeface="Estrangelo Edessa"/>
+        <a:font script="Sora" typeface="Nirmala UI"/>
+        <a:font script="Tale" typeface="Microsoft Tai Le"/>
+        <a:font script="Talu" typeface="Microsoft New Tai Lue"/>
+        <a:font script="Tfng" typeface="Ebrima"/>
+      </a:minorFont>
+    </a:fontScheme>
+    <a:fmtScheme name="Office">
+      <a:fillStyleLst>
+        <a:solidFill>
+          <a:schemeClr val="phClr"/>
+        </a:solidFill>
+        <a:gradFill rotWithShape="1">
+          <a:gsLst>
+            <a:gs pos="0">
+              <a:schemeClr val="phClr">
+                <a:lumMod val="110000"/>
+                <a:satMod val="105000"/>
+                <a:tint val="67000"/>
+              </a:schemeClr>
+            </a:gs>
+            <a:gs pos="50000">
+              <a:schemeClr val="phClr">
+                <a:lumMod val="105000"/>
+                <a:satMod val="103000"/>
+                <a:tint val="73000"/>
+              </a:schemeClr>
+            </a:gs>
+            <a:gs pos="100000">
+              <a:schemeClr val="phClr">
+                <a:lumMod val="105000"/>
+                <a:satMod val="109000"/>
+                <a:tint val="81000"/>
+              </a:schemeClr>
+            </a:gs>
+          </a:gsLst>
+          <a:lin ang="5400000" scaled="0"/>
+        </a:gradFill>
+        <a:gradFill rotWithShape="1">
+          <a:gsLst>
+            <a:gs pos="0">
+              <a:schemeClr val="phClr">
+                <a:satMod val="103000"/>
+                <a:lumMod val="102000"/>
+                <a:tint val="94000"/>
+              </a:schemeClr>
+            </a:gs>
+            <a:gs pos="50000">
+              <a:schemeClr val="phClr">
+                <a:satMod val="110000"/>
+                <a:lumMod val="100000"/>
+                <a:shade val="100000"/>
+              </a:schemeClr>
+            </a:gs>
+            <a:gs pos="100000">
+              <a:schemeClr val="phClr">
+                <a:lumMod val="99000"/>
+                <a:satMod val="120000"/>
+                <a:shade val="78000"/>
+              </a:schemeClr>
+            </a:gs>
+          </a:gsLst>
+          <a:lin ang="5400000" scaled="0"/>
+        </a:gradFill>
+      </a:fillStyleLst>
+      <a:lnStyleLst>
+        <a:ln w="6350" cap="flat" cmpd="sng" algn="ctr">
+          <a:solidFill>
+            <a:schemeClr val="phClr"/>
+          </a:solidFill>
+          <a:prstDash val="solid"/>
+          <a:miter lim="800000"/>
+        </a:ln>
+        <a:ln w="12700" cap="flat" cmpd="sng" algn="ctr">
+          <a:solidFill>
+            <a:schemeClr val="phClr"/>
+          </a:solidFill>
+          <a:prstDash val="solid"/>
+          <a:miter lim="800000"/>
+        </a:ln>
+        <a:ln w="19050" cap="flat" cmpd="sng" algn="ctr">
+          <a:solidFill>
+            <a:schemeClr val="phClr"/>
+          </a:solidFill>
+          <a:prstDash val="solid"/>
+          <a:miter lim="800000"/>
+        </a:ln>
+      </a:lnStyleLst>
+      <a:effectStyleLst>
+        <a:effectStyle>
+          <a:effectLst/>
+        </a:effectStyle>
+        <a:effectStyle>
+          <a:effectLst/>
+        </a:effectStyle>
+        <a:effectStyle>
+          <a:effectLst>
+            <a:outerShdw blurRad="57150" dist="19050" dir="5400000" algn="ctr" rotWithShape="0">
+              <a:srgbClr val="000000">
+                <a:alpha val="63000"/>
+              </a:srgbClr>
+            </a:outerShdw>
+          </a:effectLst>
+        </a:effectStyle>
+      </a:effectStyleLst>
+      <a:bgFillStyleLst>
+        <a:solidFill>
+          <a:schemeClr val="phClr"/>
+        </a:solidFill>
+        <a:solidFill>
+          <a:schemeClr val="phClr">
+            <a:tint val="95000"/>
+            <a:satMod val="170000"/>
+          </a:schemeClr>
+        </a:solidFill>
+        <a:gradFill rotWithShape="1">
+          <a:gsLst>
+            <a:gs pos="0">
+              <a:schemeClr val="phClr">
+                <a:tint val="93000"/>
+                <a:satMod val="150000"/>
+                <a:shade val="98000"/>
+                <a:lumMod val="102000"/>
+              </a:schemeClr>
+            </a:gs>
+            <a:gs pos="50000">
+              <a:schemeClr val="phClr">
+                <a:tint val="98000"/>
+                <a:satMod val="130000"/>
+                <a:shade val="90000"/>
+                <a:lumMod val="103000"/>
+              </a:schemeClr>
+            </a:gs>
+            <a:gs pos="100000">
+              <a:schemeClr val="phClr">
+                <a:shade val="63000"/>
+                <a:satMod val="120000"/>
+              </a:schemeClr>
+            </a:gs>
+          </a:gsLst>
+          <a:lin ang="5400000" scaled="0"/>
+        </a:gradFill>
+      </a:bgFillStyleLst>
+    </a:fmtScheme>
+  </a:themeElements>
+  <a:objectDefaults/>
+  <a:extraClrSchemeLst/>
+  <a:extLst>
+    <a:ext uri="{05A4C25C-085E-4340-85A3-A5531E510DB2}">
+      <thm15:themeFamily xmlns:thm15="http://schemas.microsoft.com/office/thememl/2012/main" name="Office Theme" id="{62F939B6-93AF-4DB8-9C6B-D6C7DFDC589F}" vid="{4A3C46E8-61CC-4603-A589-7422A47A8E4A}"/>
+    </a:ext>
+  </a:extLst>
+</a:theme>
 </file>
--- a/Project2T6.pptx
+++ b/Project2T6.pptx
@@ -6,20 +6,21 @@
     <p:sldMasterId id="2147483648" r:id="rId2"/>
   </p:sldMasterIdLst>
   <p:notesMasterIdLst>
-    <p:notesMasterId r:id="rId14"/>
+    <p:notesMasterId r:id="rId15"/>
   </p:notesMasterIdLst>
   <p:sldIdLst>
     <p:sldId id="257" r:id="rId3"/>
     <p:sldId id="266" r:id="rId4"/>
-    <p:sldId id="267" r:id="rId5"/>
-    <p:sldId id="264" r:id="rId6"/>
-    <p:sldId id="258" r:id="rId7"/>
-    <p:sldId id="259" r:id="rId8"/>
-    <p:sldId id="260" r:id="rId9"/>
-    <p:sldId id="261" r:id="rId10"/>
-    <p:sldId id="262" r:id="rId11"/>
-    <p:sldId id="263" r:id="rId12"/>
-    <p:sldId id="265" r:id="rId13"/>
+    <p:sldId id="268" r:id="rId5"/>
+    <p:sldId id="267" r:id="rId6"/>
+    <p:sldId id="264" r:id="rId7"/>
+    <p:sldId id="258" r:id="rId8"/>
+    <p:sldId id="259" r:id="rId9"/>
+    <p:sldId id="260" r:id="rId10"/>
+    <p:sldId id="261" r:id="rId11"/>
+    <p:sldId id="262" r:id="rId12"/>
+    <p:sldId id="263" r:id="rId13"/>
+    <p:sldId id="265" r:id="rId14"/>
   </p:sldIdLst>
   <p:sldSz cx="12192000" cy="6858000"/>
   <p:notesSz cx="6858000" cy="9144000"/>
@@ -3235,7 +3236,7 @@
           <a:p>
             <a:fld id="{58C279A2-731F-4648-910B-631D28503218}" type="datetimeFigureOut">
               <a:rPr lang="en-US" smtClean="0"/>
-              <a:t>2/16/2022</a:t>
+              <a:t>2/17/2022</a:t>
             </a:fld>
             <a:endParaRPr lang="en-US"/>
           </a:p>
@@ -3633,7 +3634,7 @@
           <a:p>
             <a:fld id="{846CE7D5-CF57-46EF-B807-FDD0502418D4}" type="datetimeFigureOut">
               <a:rPr lang="en-US" smtClean="0"/>
-              <a:t>2/16/2022</a:t>
+              <a:t>2/17/2022</a:t>
             </a:fld>
             <a:endParaRPr lang="en-US"/>
           </a:p>
@@ -3803,7 +3804,7 @@
           <a:p>
             <a:fld id="{846CE7D5-CF57-46EF-B807-FDD0502418D4}" type="datetimeFigureOut">
               <a:rPr lang="en-US" smtClean="0"/>
-              <a:t>2/16/2022</a:t>
+              <a:t>2/17/2022</a:t>
             </a:fld>
             <a:endParaRPr lang="en-US"/>
           </a:p>
@@ -3983,7 +3984,7 @@
           <a:p>
             <a:fld id="{846CE7D5-CF57-46EF-B807-FDD0502418D4}" type="datetimeFigureOut">
               <a:rPr lang="en-US" smtClean="0"/>
-              <a:t>2/16/2022</a:t>
+              <a:t>2/17/2022</a:t>
             </a:fld>
             <a:endParaRPr lang="en-US"/>
           </a:p>
@@ -7502,7 +7503,7 @@
           <a:p>
             <a:fld id="{846CE7D5-CF57-46EF-B807-FDD0502418D4}" type="datetimeFigureOut">
               <a:rPr lang="en-US" smtClean="0"/>
-              <a:t>2/16/2022</a:t>
+              <a:t>2/17/2022</a:t>
             </a:fld>
             <a:endParaRPr lang="en-US"/>
           </a:p>
@@ -11458,7 +11459,7 @@
           <a:p>
             <a:fld id="{846CE7D5-CF57-46EF-B807-FDD0502418D4}" type="datetimeFigureOut">
               <a:rPr lang="en-US" smtClean="0"/>
-              <a:t>2/16/2022</a:t>
+              <a:t>2/17/2022</a:t>
             </a:fld>
             <a:endParaRPr lang="en-US"/>
           </a:p>
@@ -13503,7 +13504,7 @@
           <a:p>
             <a:fld id="{846CE7D5-CF57-46EF-B807-FDD0502418D4}" type="datetimeFigureOut">
               <a:rPr lang="en-US" smtClean="0"/>
-              <a:t>2/16/2022</a:t>
+              <a:t>2/17/2022</a:t>
             </a:fld>
             <a:endParaRPr lang="en-US"/>
           </a:p>
@@ -13870,7 +13871,7 @@
           <a:p>
             <a:fld id="{846CE7D5-CF57-46EF-B807-FDD0502418D4}" type="datetimeFigureOut">
               <a:rPr lang="en-US" smtClean="0"/>
-              <a:t>2/16/2022</a:t>
+              <a:t>2/17/2022</a:t>
             </a:fld>
             <a:endParaRPr lang="en-US"/>
           </a:p>
@@ -13988,7 +13989,7 @@
           <a:p>
             <a:fld id="{846CE7D5-CF57-46EF-B807-FDD0502418D4}" type="datetimeFigureOut">
               <a:rPr lang="en-US" smtClean="0"/>
-              <a:t>2/16/2022</a:t>
+              <a:t>2/17/2022</a:t>
             </a:fld>
             <a:endParaRPr lang="en-US"/>
           </a:p>
@@ -14083,7 +14084,7 @@
           <a:p>
             <a:fld id="{846CE7D5-CF57-46EF-B807-FDD0502418D4}" type="datetimeFigureOut">
               <a:rPr lang="en-US" smtClean="0"/>
-              <a:t>2/16/2022</a:t>
+              <a:t>2/17/2022</a:t>
             </a:fld>
             <a:endParaRPr lang="en-US"/>
           </a:p>
@@ -14360,7 +14361,7 @@
           <a:p>
             <a:fld id="{846CE7D5-CF57-46EF-B807-FDD0502418D4}" type="datetimeFigureOut">
               <a:rPr lang="en-US" smtClean="0"/>
-              <a:t>2/16/2022</a:t>
+              <a:t>2/17/2022</a:t>
             </a:fld>
             <a:endParaRPr lang="en-US"/>
           </a:p>
@@ -14617,7 +14618,7 @@
           <a:p>
             <a:fld id="{846CE7D5-CF57-46EF-B807-FDD0502418D4}" type="datetimeFigureOut">
               <a:rPr lang="en-US" smtClean="0"/>
-              <a:t>2/16/2022</a:t>
+              <a:t>2/17/2022</a:t>
             </a:fld>
             <a:endParaRPr lang="en-US"/>
           </a:p>
@@ -14842,7 +14843,7 @@
           <a:p>
             <a:fld id="{846CE7D5-CF57-46EF-B807-FDD0502418D4}" type="datetimeFigureOut">
               <a:rPr lang="en-US" smtClean="0"/>
-              <a:t>2/16/2022</a:t>
+              <a:t>2/17/2022</a:t>
             </a:fld>
             <a:endParaRPr lang="en-US"/>
           </a:p>
@@ -16435,6 +16436,130 @@
 <file path=ppt/slides/slide10.xml><?xml version="1.0" encoding="utf-8"?>
 <p:sld xmlns:a="http://schemas.openxmlformats.org/drawingml/2006/main" xmlns:r="http://schemas.openxmlformats.org/officeDocument/2006/relationships" xmlns:p="http://schemas.openxmlformats.org/presentationml/2006/main">
   <p:cSld>
+    <p:bg>
+      <p:bgPr>
+        <a:gradFill flip="none" rotWithShape="1">
+          <a:gsLst>
+            <a:gs pos="100000">
+              <a:srgbClr val="A6826A"/>
+            </a:gs>
+            <a:gs pos="0">
+              <a:srgbClr val="838383"/>
+            </a:gs>
+          </a:gsLst>
+          <a:lin ang="16200000" scaled="1"/>
+          <a:tileRect/>
+        </a:gradFill>
+        <a:effectLst/>
+      </p:bgPr>
+    </p:bg>
+    <p:spTree>
+      <p:nvGrpSpPr>
+        <p:cNvPr id="1" name=""/>
+        <p:cNvGrpSpPr/>
+        <p:nvPr/>
+      </p:nvGrpSpPr>
+      <p:grpSpPr>
+        <a:xfrm>
+          <a:off x="0" y="0"/>
+          <a:ext cx="0" cy="0"/>
+          <a:chOff x="0" y="0"/>
+          <a:chExt cx="0" cy="0"/>
+        </a:xfrm>
+      </p:grpSpPr>
+      <p:sp>
+        <p:nvSpPr>
+          <p:cNvPr id="3" name="Subtitle 2"/>
+          <p:cNvSpPr>
+            <a:spLocks noGrp="1"/>
+          </p:cNvSpPr>
+          <p:nvPr>
+            <p:ph type="subTitle" idx="1"/>
+          </p:nvPr>
+        </p:nvSpPr>
+        <p:spPr>
+          <a:xfrm>
+            <a:off x="0" y="1763851"/>
+            <a:ext cx="4740748" cy="439477"/>
+          </a:xfrm>
+        </p:spPr>
+        <p:txBody>
+          <a:bodyPr vert="horz" lIns="91440" tIns="45720" rIns="91440" bIns="45720" rtlCol="0" anchor="t">
+            <a:normAutofit/>
+          </a:bodyPr>
+          <a:lstStyle/>
+          <a:p>
+            <a:pPr algn="l"/>
+            <a:r>
+              <a:rPr lang="en-US" sz="1600" dirty="0">
+                <a:cs typeface="Calibri"/>
+              </a:rPr>
+              <a:t>6. </a:t>
+            </a:r>
+            <a:r>
+              <a:rPr lang="en-US" sz="1600" dirty="0">
+                <a:ea typeface="+mn-lt"/>
+                <a:cs typeface="+mn-lt"/>
+              </a:rPr>
+              <a:t>Vaccination summary per year:</a:t>
+            </a:r>
+            <a:endParaRPr lang="en-US" sz="1600" dirty="0">
+              <a:cs typeface="Calibri"/>
+            </a:endParaRPr>
+          </a:p>
+          <a:p>
+            <a:endParaRPr lang="en-US" dirty="0">
+              <a:cs typeface="Calibri"/>
+            </a:endParaRPr>
+          </a:p>
+        </p:txBody>
+      </p:sp>
+      <p:pic>
+        <p:nvPicPr>
+          <p:cNvPr id="11" name="Picture 11" descr="Chart, line chart&#10;&#10;Description automatically generated">
+            <a:extLst>
+              <a:ext uri="{FF2B5EF4-FFF2-40B4-BE49-F238E27FC236}">
+                <a16:creationId xmlns:a16="http://schemas.microsoft.com/office/drawing/2014/main" id="{A046F4A6-727A-4B00-ACEB-8B65975D7B34}"/>
+              </a:ext>
+            </a:extLst>
+          </p:cNvPr>
+          <p:cNvPicPr>
+            <a:picLocks noChangeAspect="1"/>
+          </p:cNvPicPr>
+          <p:nvPr/>
+        </p:nvPicPr>
+        <p:blipFill>
+          <a:blip r:embed="rId2"/>
+          <a:stretch>
+            <a:fillRect/>
+          </a:stretch>
+        </p:blipFill>
+        <p:spPr>
+          <a:xfrm>
+            <a:off x="133814" y="2553240"/>
+            <a:ext cx="11924371" cy="3242139"/>
+          </a:xfrm>
+          <a:prstGeom prst="rect">
+            <a:avLst/>
+          </a:prstGeom>
+        </p:spPr>
+      </p:pic>
+    </p:spTree>
+    <p:extLst>
+      <p:ext uri="{BB962C8B-B14F-4D97-AF65-F5344CB8AC3E}">
+        <p14:creationId xmlns:p14="http://schemas.microsoft.com/office/powerpoint/2010/main" val="3994831491"/>
+      </p:ext>
+    </p:extLst>
+  </p:cSld>
+  <p:clrMapOvr>
+    <a:masterClrMapping/>
+  </p:clrMapOvr>
+</p:sld>
+</file>
+
+<file path=ppt/slides/slide11.xml><?xml version="1.0" encoding="utf-8"?>
+<p:sld xmlns:a="http://schemas.openxmlformats.org/drawingml/2006/main" xmlns:r="http://schemas.openxmlformats.org/officeDocument/2006/relationships" xmlns:p="http://schemas.openxmlformats.org/presentationml/2006/main">
+  <p:cSld>
     <p:spTree>
       <p:nvGrpSpPr>
         <p:cNvPr id="1" name=""/>
@@ -16539,7 +16664,7 @@
 </p:sld>
 </file>
 
-<file path=ppt/slides/slide11.xml><?xml version="1.0" encoding="utf-8"?>
+<file path=ppt/slides/slide12.xml><?xml version="1.0" encoding="utf-8"?>
 <p:sld xmlns:a="http://schemas.openxmlformats.org/drawingml/2006/main" xmlns:r="http://schemas.openxmlformats.org/officeDocument/2006/relationships" xmlns:p="http://schemas.openxmlformats.org/presentationml/2006/main">
   <p:cSld>
     <p:bg>
@@ -16704,7 +16829,7 @@
         </p:spPr>
         <p:txBody>
           <a:bodyPr>
-            <a:normAutofit fontScale="92500" lnSpcReduction="10000"/>
+            <a:normAutofit fontScale="92500" lnSpcReduction="20000"/>
           </a:bodyPr>
           <a:lstStyle/>
           <a:p>
@@ -16763,7 +16888,16 @@
               <a:rPr lang="it-IT" dirty="0"/>
               <a:t>VS Code</a:t>
             </a:r>
-            <a:endParaRPr lang="en-US" dirty="0"/>
+          </a:p>
+          <a:p>
+            <a:r>
+              <a:rPr lang="en-US" dirty="0" err="1"/>
+              <a:t>Github</a:t>
+            </a:r>
+            <a:r>
+              <a:rPr lang="en-US" dirty="0"/>
+              <a:t>: https://github.com/ProgrammingWithCybineer/Project_2</a:t>
+            </a:r>
           </a:p>
         </p:txBody>
       </p:sp>
@@ -16814,6 +16948,69 @@
 </file>
 
 <file path=ppt/slides/slide3.xml><?xml version="1.0" encoding="utf-8"?>
+<p:sld xmlns:a="http://schemas.openxmlformats.org/drawingml/2006/main" xmlns:r="http://schemas.openxmlformats.org/officeDocument/2006/relationships" xmlns:p="http://schemas.openxmlformats.org/presentationml/2006/main">
+  <p:cSld>
+    <p:spTree>
+      <p:nvGrpSpPr>
+        <p:cNvPr id="1" name=""/>
+        <p:cNvGrpSpPr/>
+        <p:nvPr/>
+      </p:nvGrpSpPr>
+      <p:grpSpPr>
+        <a:xfrm>
+          <a:off x="0" y="0"/>
+          <a:ext cx="0" cy="0"/>
+          <a:chOff x="0" y="0"/>
+          <a:chExt cx="0" cy="0"/>
+        </a:xfrm>
+      </p:grpSpPr>
+      <p:sp>
+        <p:nvSpPr>
+          <p:cNvPr id="8" name="Title 7">
+            <a:extLst>
+              <a:ext uri="{FF2B5EF4-FFF2-40B4-BE49-F238E27FC236}">
+                <a16:creationId xmlns:a16="http://schemas.microsoft.com/office/drawing/2014/main" id="{7168E97B-8943-4F85-88EB-2676F77E07A1}"/>
+              </a:ext>
+            </a:extLst>
+          </p:cNvPr>
+          <p:cNvSpPr>
+            <a:spLocks noGrp="1"/>
+          </p:cNvSpPr>
+          <p:nvPr>
+            <p:ph type="ctrTitle"/>
+          </p:nvPr>
+        </p:nvSpPr>
+        <p:spPr>
+          <a:xfrm>
+            <a:off x="1450731" y="1995854"/>
+            <a:ext cx="9322777" cy="1783388"/>
+          </a:xfrm>
+        </p:spPr>
+        <p:txBody>
+          <a:bodyPr/>
+          <a:lstStyle/>
+          <a:p>
+            <a:r>
+              <a:rPr lang="en-US" dirty="0"/>
+              <a:t>Demo</a:t>
+            </a:r>
+          </a:p>
+        </p:txBody>
+      </p:sp>
+    </p:spTree>
+    <p:extLst>
+      <p:ext uri="{BB962C8B-B14F-4D97-AF65-F5344CB8AC3E}">
+        <p14:creationId xmlns:p14="http://schemas.microsoft.com/office/powerpoint/2010/main" val="3668309314"/>
+      </p:ext>
+    </p:extLst>
+  </p:cSld>
+  <p:clrMapOvr>
+    <a:masterClrMapping/>
+  </p:clrMapOvr>
+</p:sld>
+</file>
+
+<file path=ppt/slides/slide4.xml><?xml version="1.0" encoding="utf-8"?>
 <p:sld xmlns:a="http://schemas.openxmlformats.org/drawingml/2006/main" xmlns:r="http://schemas.openxmlformats.org/officeDocument/2006/relationships" xmlns:p="http://schemas.openxmlformats.org/presentationml/2006/main">
   <p:cSld>
     <p:bg>
@@ -16967,7 +17164,7 @@
 </p:sld>
 </file>
 
-<file path=ppt/slides/slide4.xml><?xml version="1.0" encoding="utf-8"?>
+<file path=ppt/slides/slide5.xml><?xml version="1.0" encoding="utf-8"?>
 <p:sld xmlns:a="http://schemas.openxmlformats.org/drawingml/2006/main" xmlns:r="http://schemas.openxmlformats.org/officeDocument/2006/relationships" xmlns:p="http://schemas.openxmlformats.org/presentationml/2006/main">
   <p:cSld>
     <p:spTree>
@@ -17064,7 +17261,7 @@
 </p:sld>
 </file>
 
-<file path=ppt/slides/slide5.xml><?xml version="1.0" encoding="utf-8"?>
+<file path=ppt/slides/slide6.xml><?xml version="1.0" encoding="utf-8"?>
 <p:sld xmlns:a="http://schemas.openxmlformats.org/drawingml/2006/main" xmlns:r="http://schemas.openxmlformats.org/officeDocument/2006/relationships" xmlns:p="http://schemas.openxmlformats.org/presentationml/2006/main">
   <p:cSld>
     <p:bg>
@@ -17183,7 +17380,7 @@
 </p:sld>
 </file>
 
-<file path=ppt/slides/slide6.xml><?xml version="1.0" encoding="utf-8"?>
+<file path=ppt/slides/slide7.xml><?xml version="1.0" encoding="utf-8"?>
 <p:sld xmlns:a="http://schemas.openxmlformats.org/drawingml/2006/main" xmlns:r="http://schemas.openxmlformats.org/officeDocument/2006/relationships" xmlns:p="http://schemas.openxmlformats.org/presentationml/2006/main">
   <p:cSld>
     <p:bg>
@@ -17308,7 +17505,7 @@
 </p:sld>
 </file>
 
-<file path=ppt/slides/slide7.xml><?xml version="1.0" encoding="utf-8"?>
+<file path=ppt/slides/slide8.xml><?xml version="1.0" encoding="utf-8"?>
 <p:sld xmlns:a="http://schemas.openxmlformats.org/drawingml/2006/main" xmlns:r="http://schemas.openxmlformats.org/officeDocument/2006/relationships" xmlns:p="http://schemas.openxmlformats.org/presentationml/2006/main">
   <p:cSld>
     <p:bg>
@@ -17431,7 +17628,7 @@
 </p:sld>
 </file>
 
-<file path=ppt/slides/slide8.xml><?xml version="1.0" encoding="utf-8"?>
+<file path=ppt/slides/slide9.xml><?xml version="1.0" encoding="utf-8"?>
 <p:sld xmlns:a="http://schemas.openxmlformats.org/drawingml/2006/main" xmlns:r="http://schemas.openxmlformats.org/officeDocument/2006/relationships" xmlns:p="http://schemas.openxmlformats.org/presentationml/2006/main">
   <p:cSld>
     <p:spTree>
@@ -17528,130 +17725,6 @@
     <p:extLst>
       <p:ext uri="{BB962C8B-B14F-4D97-AF65-F5344CB8AC3E}">
         <p14:creationId xmlns:p14="http://schemas.microsoft.com/office/powerpoint/2010/main" val="4191258751"/>
-      </p:ext>
-    </p:extLst>
-  </p:cSld>
-  <p:clrMapOvr>
-    <a:masterClrMapping/>
-  </p:clrMapOvr>
-</p:sld>
-</file>
-
-<file path=ppt/slides/slide9.xml><?xml version="1.0" encoding="utf-8"?>
-<p:sld xmlns:a="http://schemas.openxmlformats.org/drawingml/2006/main" xmlns:r="http://schemas.openxmlformats.org/officeDocument/2006/relationships" xmlns:p="http://schemas.openxmlformats.org/presentationml/2006/main">
-  <p:cSld>
-    <p:bg>
-      <p:bgPr>
-        <a:gradFill flip="none" rotWithShape="1">
-          <a:gsLst>
-            <a:gs pos="100000">
-              <a:srgbClr val="A6826A"/>
-            </a:gs>
-            <a:gs pos="0">
-              <a:srgbClr val="838383"/>
-            </a:gs>
-          </a:gsLst>
-          <a:lin ang="16200000" scaled="1"/>
-          <a:tileRect/>
-        </a:gradFill>
-        <a:effectLst/>
-      </p:bgPr>
-    </p:bg>
-    <p:spTree>
-      <p:nvGrpSpPr>
-        <p:cNvPr id="1" name=""/>
-        <p:cNvGrpSpPr/>
-        <p:nvPr/>
-      </p:nvGrpSpPr>
-      <p:grpSpPr>
-        <a:xfrm>
-          <a:off x="0" y="0"/>
-          <a:ext cx="0" cy="0"/>
-          <a:chOff x="0" y="0"/>
-          <a:chExt cx="0" cy="0"/>
-        </a:xfrm>
-      </p:grpSpPr>
-      <p:sp>
-        <p:nvSpPr>
-          <p:cNvPr id="3" name="Subtitle 2"/>
-          <p:cNvSpPr>
-            <a:spLocks noGrp="1"/>
-          </p:cNvSpPr>
-          <p:nvPr>
-            <p:ph type="subTitle" idx="1"/>
-          </p:nvPr>
-        </p:nvSpPr>
-        <p:spPr>
-          <a:xfrm>
-            <a:off x="0" y="1763851"/>
-            <a:ext cx="4740748" cy="439477"/>
-          </a:xfrm>
-        </p:spPr>
-        <p:txBody>
-          <a:bodyPr vert="horz" lIns="91440" tIns="45720" rIns="91440" bIns="45720" rtlCol="0" anchor="t">
-            <a:normAutofit/>
-          </a:bodyPr>
-          <a:lstStyle/>
-          <a:p>
-            <a:pPr algn="l"/>
-            <a:r>
-              <a:rPr lang="en-US" sz="1600" dirty="0">
-                <a:cs typeface="Calibri"/>
-              </a:rPr>
-              <a:t>6. </a:t>
-            </a:r>
-            <a:r>
-              <a:rPr lang="en-US" sz="1600" dirty="0">
-                <a:ea typeface="+mn-lt"/>
-                <a:cs typeface="+mn-lt"/>
-              </a:rPr>
-              <a:t>Vaccination summary per year:</a:t>
-            </a:r>
-            <a:endParaRPr lang="en-US" sz="1600" dirty="0">
-              <a:cs typeface="Calibri"/>
-            </a:endParaRPr>
-          </a:p>
-          <a:p>
-            <a:endParaRPr lang="en-US" dirty="0">
-              <a:cs typeface="Calibri"/>
-            </a:endParaRPr>
-          </a:p>
-        </p:txBody>
-      </p:sp>
-      <p:pic>
-        <p:nvPicPr>
-          <p:cNvPr id="11" name="Picture 11" descr="Chart, line chart&#10;&#10;Description automatically generated">
-            <a:extLst>
-              <a:ext uri="{FF2B5EF4-FFF2-40B4-BE49-F238E27FC236}">
-                <a16:creationId xmlns:a16="http://schemas.microsoft.com/office/drawing/2014/main" id="{A046F4A6-727A-4B00-ACEB-8B65975D7B34}"/>
-              </a:ext>
-            </a:extLst>
-          </p:cNvPr>
-          <p:cNvPicPr>
-            <a:picLocks noChangeAspect="1"/>
-          </p:cNvPicPr>
-          <p:nvPr/>
-        </p:nvPicPr>
-        <p:blipFill>
-          <a:blip r:embed="rId2"/>
-          <a:stretch>
-            <a:fillRect/>
-          </a:stretch>
-        </p:blipFill>
-        <p:spPr>
-          <a:xfrm>
-            <a:off x="133814" y="2553240"/>
-            <a:ext cx="11924371" cy="3242139"/>
-          </a:xfrm>
-          <a:prstGeom prst="rect">
-            <a:avLst/>
-          </a:prstGeom>
-        </p:spPr>
-      </p:pic>
-    </p:spTree>
-    <p:extLst>
-      <p:ext uri="{BB962C8B-B14F-4D97-AF65-F5344CB8AC3E}">
-        <p14:creationId xmlns:p14="http://schemas.microsoft.com/office/powerpoint/2010/main" val="3994831491"/>
       </p:ext>
     </p:extLst>
   </p:cSld>
